--- a/Project/Car PARKING SYSTEM.pptx
+++ b/Project/Car PARKING SYSTEM.pptx
@@ -5,7 +5,7 @@
     <p:sldMasterId id="2147483677" r:id="rId1"/>
   </p:sldMasterIdLst>
   <p:notesMasterIdLst>
-    <p:notesMasterId r:id="rId12"/>
+    <p:notesMasterId r:id="rId18"/>
   </p:notesMasterIdLst>
   <p:sldIdLst>
     <p:sldId id="256" r:id="rId2"/>
@@ -15,24 +15,30 @@
     <p:sldId id="273" r:id="rId6"/>
     <p:sldId id="267" r:id="rId7"/>
     <p:sldId id="313" r:id="rId8"/>
-    <p:sldId id="314" r:id="rId9"/>
-    <p:sldId id="272" r:id="rId10"/>
-    <p:sldId id="293" r:id="rId11"/>
+    <p:sldId id="317" r:id="rId9"/>
+    <p:sldId id="318" r:id="rId10"/>
+    <p:sldId id="319" r:id="rId11"/>
+    <p:sldId id="316" r:id="rId12"/>
+    <p:sldId id="314" r:id="rId13"/>
+    <p:sldId id="320" r:id="rId14"/>
+    <p:sldId id="272" r:id="rId15"/>
+    <p:sldId id="315" r:id="rId16"/>
+    <p:sldId id="293" r:id="rId17"/>
   </p:sldIdLst>
   <p:sldSz cx="9144000" cy="5143500" type="screen16x9"/>
   <p:notesSz cx="6858000" cy="9144000"/>
   <p:embeddedFontLst>
     <p:embeddedFont>
-      <p:font typeface="Barlow" panose="00000500000000000000" pitchFamily="2" charset="0"/>
-      <p:regular r:id="rId13"/>
-      <p:bold r:id="rId14"/>
-      <p:italic r:id="rId15"/>
-      <p:boldItalic r:id="rId16"/>
+      <p:font typeface="Oswald" charset="0"/>
+      <p:regular r:id="rId19"/>
+      <p:bold r:id="rId20"/>
     </p:embeddedFont>
     <p:embeddedFont>
-      <p:font typeface="Oswald" panose="00000500000000000000" pitchFamily="2" charset="0"/>
-      <p:regular r:id="rId17"/>
-      <p:bold r:id="rId18"/>
+      <p:font typeface="Barlow" charset="0"/>
+      <p:regular r:id="rId21"/>
+      <p:bold r:id="rId22"/>
+      <p:italic r:id="rId23"/>
+      <p:boldItalic r:id="rId24"/>
     </p:embeddedFont>
   </p:embeddedFontLst>
   <p:defaultTextStyle>
@@ -474,6 +480,11 @@
         </p:txBody>
       </p:sp>
     </p:spTree>
+    <p:extLst>
+      <p:ext uri="{BB962C8B-B14F-4D97-AF65-F5344CB8AC3E}">
+        <p14:creationId xmlns:p14="http://schemas.microsoft.com/office/powerpoint/2010/main" val="1983895706"/>
+      </p:ext>
+    </p:extLst>
   </p:cSld>
   <p:clrMap bg1="lt1" tx1="dk1" bg2="dk2" tx2="lt2" accent1="accent1" accent2="accent2" accent3="accent3" accent4="accent4" accent5="accent5" accent6="accent6" hlink="hlink" folHlink="folHlink"/>
   <p:notesStyle>
@@ -1441,6 +1452,110 @@
   <p:cSld>
     <p:spTree>
       <p:nvGrpSpPr>
+        <p:cNvPr id="1" name="Shape 574"/>
+        <p:cNvGrpSpPr/>
+        <p:nvPr/>
+      </p:nvGrpSpPr>
+      <p:grpSpPr>
+        <a:xfrm>
+          <a:off x="0" y="0"/>
+          <a:ext cx="0" cy="0"/>
+          <a:chOff x="0" y="0"/>
+          <a:chExt cx="0" cy="0"/>
+        </a:xfrm>
+      </p:grpSpPr>
+      <p:sp>
+        <p:nvSpPr>
+          <p:cNvPr id="575" name="Google Shape;575;g72e897635e_2_98:notes"/>
+          <p:cNvSpPr>
+            <a:spLocks noGrp="1" noRot="1" noChangeAspect="1"/>
+          </p:cNvSpPr>
+          <p:nvPr>
+            <p:ph type="sldImg" idx="2"/>
+          </p:nvPr>
+        </p:nvSpPr>
+        <p:spPr>
+          <a:xfrm>
+            <a:off x="381000" y="685800"/>
+            <a:ext cx="6096000" cy="3429000"/>
+          </a:xfrm>
+          <a:custGeom>
+            <a:avLst/>
+            <a:gdLst/>
+            <a:ahLst/>
+            <a:cxnLst/>
+            <a:rect l="l" t="t" r="r" b="b"/>
+            <a:pathLst>
+              <a:path w="120000" h="120000" extrusionOk="0">
+                <a:moveTo>
+                  <a:pt x="0" y="0"/>
+                </a:moveTo>
+                <a:lnTo>
+                  <a:pt x="120000" y="0"/>
+                </a:lnTo>
+                <a:lnTo>
+                  <a:pt x="120000" y="120000"/>
+                </a:lnTo>
+                <a:lnTo>
+                  <a:pt x="0" y="120000"/>
+                </a:lnTo>
+                <a:close/>
+              </a:path>
+            </a:pathLst>
+          </a:custGeom>
+        </p:spPr>
+      </p:sp>
+      <p:sp>
+        <p:nvSpPr>
+          <p:cNvPr id="576" name="Google Shape;576;g72e897635e_2_98:notes"/>
+          <p:cNvSpPr txBox="1">
+            <a:spLocks noGrp="1"/>
+          </p:cNvSpPr>
+          <p:nvPr>
+            <p:ph type="body" idx="1"/>
+          </p:nvPr>
+        </p:nvSpPr>
+        <p:spPr>
+          <a:xfrm>
+            <a:off x="685800" y="4343400"/>
+            <a:ext cx="5486400" cy="4114800"/>
+          </a:xfrm>
+          <a:prstGeom prst="rect">
+            <a:avLst/>
+          </a:prstGeom>
+        </p:spPr>
+        <p:txBody>
+          <a:bodyPr spcFirstLastPara="1" wrap="square" lIns="91425" tIns="91425" rIns="91425" bIns="91425" anchor="t" anchorCtr="0">
+            <a:noAutofit/>
+          </a:bodyPr>
+          <a:lstStyle/>
+          <a:p>
+            <a:pPr marL="0" lvl="0" indent="0" algn="l" rtl="0">
+              <a:spcBef>
+                <a:spcPts val="0"/>
+              </a:spcBef>
+              <a:spcAft>
+                <a:spcPts val="0"/>
+              </a:spcAft>
+              <a:buNone/>
+            </a:pPr>
+            <a:endParaRPr/>
+          </a:p>
+        </p:txBody>
+      </p:sp>
+    </p:spTree>
+  </p:cSld>
+  <p:clrMapOvr>
+    <a:masterClrMapping/>
+  </p:clrMapOvr>
+</p:notes>
+</file>
+
+<file path=ppt/notesSlides/notesSlide9.xml><?xml version="1.0" encoding="utf-8"?>
+<p:notes xmlns:a="http://schemas.openxmlformats.org/drawingml/2006/main" xmlns:r="http://schemas.openxmlformats.org/officeDocument/2006/relationships" xmlns:p="http://schemas.openxmlformats.org/presentationml/2006/main" showMasterSp="0" showMasterPhAnim="0">
+  <p:cSld>
+    <p:spTree>
+      <p:nvGrpSpPr>
         <p:cNvPr id="1" name="Shape 1116"/>
         <p:cNvGrpSpPr/>
         <p:nvPr/>
@@ -3829,7 +3944,7 @@
                 <a:hlinkClick r:id="rId2">
                   <a:extLst>
                     <a:ext uri="{A12FA001-AC4F-418D-AE19-62706E023703}">
-                      <ahyp:hlinkClr xmlns:ahyp="http://schemas.microsoft.com/office/drawing/2018/hyperlinkcolor" val="tx"/>
+                      <ahyp:hlinkClr xmlns:ahyp="http://schemas.microsoft.com/office/drawing/2018/hyperlinkcolor" xmlns="" val="tx"/>
                     </a:ext>
                   </a:extLst>
                 </a:hlinkClick>
@@ -3863,7 +3978,7 @@
                 <a:hlinkClick r:id="rId3">
                   <a:extLst>
                     <a:ext uri="{A12FA001-AC4F-418D-AE19-62706E023703}">
-                      <ahyp:hlinkClr xmlns:ahyp="http://schemas.microsoft.com/office/drawing/2018/hyperlinkcolor" val="tx"/>
+                      <ahyp:hlinkClr xmlns:ahyp="http://schemas.microsoft.com/office/drawing/2018/hyperlinkcolor" xmlns="" val="tx"/>
                     </a:ext>
                   </a:extLst>
                 </a:hlinkClick>
@@ -3897,7 +4012,7 @@
                 <a:hlinkClick r:id="rId4">
                   <a:extLst>
                     <a:ext uri="{A12FA001-AC4F-418D-AE19-62706E023703}">
-                      <ahyp:hlinkClr xmlns:ahyp="http://schemas.microsoft.com/office/drawing/2018/hyperlinkcolor" val="tx"/>
+                      <ahyp:hlinkClr xmlns:ahyp="http://schemas.microsoft.com/office/drawing/2018/hyperlinkcolor" xmlns="" val="tx"/>
                     </a:ext>
                   </a:extLst>
                 </a:hlinkClick>
@@ -14669,10 +14784,1444 @@
   <p:clrMapOvr>
     <a:masterClrMapping/>
   </p:clrMapOvr>
+  <p:timing>
+    <p:tnLst>
+      <p:par>
+        <p:cTn id="1" dur="indefinite" restart="never" nodeType="tmRoot"/>
+      </p:par>
+    </p:tnLst>
+  </p:timing>
 </p:sld>
 </file>
 
 <file path=ppt/slides/slide10.xml><?xml version="1.0" encoding="utf-8"?>
+<p:sld xmlns:a="http://schemas.openxmlformats.org/drawingml/2006/main" xmlns:r="http://schemas.openxmlformats.org/officeDocument/2006/relationships" xmlns:p="http://schemas.openxmlformats.org/presentationml/2006/main">
+  <p:cSld>
+    <p:spTree>
+      <p:nvGrpSpPr>
+        <p:cNvPr id="1" name=""/>
+        <p:cNvGrpSpPr/>
+        <p:nvPr/>
+      </p:nvGrpSpPr>
+      <p:grpSpPr>
+        <a:xfrm>
+          <a:off x="0" y="0"/>
+          <a:ext cx="0" cy="0"/>
+          <a:chOff x="0" y="0"/>
+          <a:chExt cx="0" cy="0"/>
+        </a:xfrm>
+      </p:grpSpPr>
+      <p:sp>
+        <p:nvSpPr>
+          <p:cNvPr id="2" name="Title 1">
+            <a:extLst>
+              <a:ext uri="{FF2B5EF4-FFF2-40B4-BE49-F238E27FC236}">
+                <a16:creationId xmlns:a16="http://schemas.microsoft.com/office/drawing/2014/main" xmlns="" id="{16DD8EE8-FA13-4937-980C-9D9D1A428E2D}"/>
+              </a:ext>
+            </a:extLst>
+          </p:cNvPr>
+          <p:cNvSpPr>
+            <a:spLocks noGrp="1"/>
+          </p:cNvSpPr>
+          <p:nvPr>
+            <p:ph type="title"/>
+          </p:nvPr>
+        </p:nvSpPr>
+        <p:spPr/>
+        <p:txBody>
+          <a:bodyPr/>
+          <a:lstStyle/>
+          <a:p>
+            <a:r>
+              <a:rPr lang="pt-BR" sz="3600" dirty="0"/>
+              <a:t>P</a:t>
+            </a:r>
+            <a:r>
+              <a:rPr lang="pt-BR" sz="3200" dirty="0"/>
+              <a:t> R O J E C </a:t>
+            </a:r>
+            <a:r>
+              <a:rPr lang="pt-BR" sz="3200" dirty="0" smtClean="0"/>
+              <a:t>T Function</a:t>
+            </a:r>
+            <a:endParaRPr lang="en-US" dirty="0"/>
+          </a:p>
+        </p:txBody>
+      </p:sp>
+      <p:sp>
+        <p:nvSpPr>
+          <p:cNvPr id="3" name="Subtitle 2">
+            <a:extLst>
+              <a:ext uri="{FF2B5EF4-FFF2-40B4-BE49-F238E27FC236}">
+                <a16:creationId xmlns:a16="http://schemas.microsoft.com/office/drawing/2014/main" xmlns="" id="{DB9AA25F-5DBB-47B0-9214-0036AA9DC80A}"/>
+              </a:ext>
+            </a:extLst>
+          </p:cNvPr>
+          <p:cNvSpPr>
+            <a:spLocks noGrp="1"/>
+          </p:cNvSpPr>
+          <p:nvPr>
+            <p:ph type="subTitle" idx="1"/>
+          </p:nvPr>
+        </p:nvSpPr>
+        <p:spPr>
+          <a:xfrm>
+            <a:off x="664114" y="1227002"/>
+            <a:ext cx="2674586" cy="311400"/>
+          </a:xfrm>
+        </p:spPr>
+        <p:txBody>
+          <a:bodyPr/>
+          <a:lstStyle/>
+          <a:p>
+            <a:pPr algn="l"/>
+            <a:r>
+              <a:rPr lang="en-US" dirty="0" smtClean="0"/>
+              <a:t>Compare jump and input</a:t>
+            </a:r>
+            <a:endParaRPr lang="en-US" dirty="0"/>
+          </a:p>
+        </p:txBody>
+      </p:sp>
+      <p:sp>
+        <p:nvSpPr>
+          <p:cNvPr id="4" name="TextBox 3"/>
+          <p:cNvSpPr txBox="1"/>
+          <p:nvPr/>
+        </p:nvSpPr>
+        <p:spPr>
+          <a:xfrm>
+            <a:off x="1094015" y="1779815"/>
+            <a:ext cx="2392136" cy="2893100"/>
+          </a:xfrm>
+          <a:prstGeom prst="rect">
+            <a:avLst/>
+          </a:prstGeom>
+          <a:noFill/>
+        </p:spPr>
+        <p:txBody>
+          <a:bodyPr wrap="square" rtlCol="0">
+            <a:spAutoFit/>
+          </a:bodyPr>
+          <a:lstStyle/>
+          <a:p>
+            <a:r>
+              <a:rPr lang="nl-NL" dirty="0"/>
+              <a:t>mov al,bl</a:t>
+            </a:r>
+          </a:p>
+          <a:p>
+            <a:r>
+              <a:rPr lang="nl-NL" dirty="0"/>
+              <a:t>cmp al,'1'</a:t>
+            </a:r>
+          </a:p>
+          <a:p>
+            <a:r>
+              <a:rPr lang="nl-NL" dirty="0"/>
+              <a:t>je rikshw</a:t>
+            </a:r>
+          </a:p>
+          <a:p>
+            <a:r>
+              <a:rPr lang="nl-NL" dirty="0"/>
+              <a:t>cmp al,'2'</a:t>
+            </a:r>
+          </a:p>
+          <a:p>
+            <a:r>
+              <a:rPr lang="nl-NL" dirty="0"/>
+              <a:t>je car</a:t>
+            </a:r>
+          </a:p>
+          <a:p>
+            <a:r>
+              <a:rPr lang="nl-NL" dirty="0"/>
+              <a:t>cmp al,'3'</a:t>
+            </a:r>
+          </a:p>
+          <a:p>
+            <a:r>
+              <a:rPr lang="nl-NL" dirty="0"/>
+              <a:t>je bus</a:t>
+            </a:r>
+          </a:p>
+          <a:p>
+            <a:r>
+              <a:rPr lang="nl-NL" dirty="0"/>
+              <a:t>cmp al,'4'</a:t>
+            </a:r>
+          </a:p>
+          <a:p>
+            <a:r>
+              <a:rPr lang="nl-NL" dirty="0"/>
+              <a:t>je rec</a:t>
+            </a:r>
+          </a:p>
+          <a:p>
+            <a:r>
+              <a:rPr lang="nl-NL" dirty="0"/>
+              <a:t>cmp al,'5'</a:t>
+            </a:r>
+          </a:p>
+          <a:p>
+            <a:r>
+              <a:rPr lang="nl-NL" dirty="0"/>
+              <a:t>je del</a:t>
+            </a:r>
+          </a:p>
+          <a:p>
+            <a:r>
+              <a:rPr lang="nl-NL" dirty="0"/>
+              <a:t>cmp al,'6'</a:t>
+            </a:r>
+          </a:p>
+          <a:p>
+            <a:r>
+              <a:rPr lang="nl-NL" dirty="0"/>
+              <a:t>je end_</a:t>
+            </a:r>
+            <a:endParaRPr lang="en-US" dirty="0"/>
+          </a:p>
+        </p:txBody>
+      </p:sp>
+      <p:sp>
+        <p:nvSpPr>
+          <p:cNvPr id="6" name="TextBox 5"/>
+          <p:cNvSpPr txBox="1"/>
+          <p:nvPr/>
+        </p:nvSpPr>
+        <p:spPr>
+          <a:xfrm>
+            <a:off x="3103790" y="1887537"/>
+            <a:ext cx="2392136" cy="2677656"/>
+          </a:xfrm>
+          <a:prstGeom prst="rect">
+            <a:avLst/>
+          </a:prstGeom>
+          <a:noFill/>
+        </p:spPr>
+        <p:txBody>
+          <a:bodyPr wrap="square" rtlCol="0">
+            <a:spAutoFit/>
+          </a:bodyPr>
+          <a:lstStyle/>
+          <a:p>
+            <a:r>
+              <a:rPr lang="en-US" dirty="0"/>
+              <a:t>car:</a:t>
+            </a:r>
+          </a:p>
+          <a:p>
+            <a:r>
+              <a:rPr lang="en-US" dirty="0"/>
+              <a:t>call </a:t>
+            </a:r>
+            <a:r>
+              <a:rPr lang="en-US" dirty="0" err="1"/>
+              <a:t>caar</a:t>
+            </a:r>
+            <a:endParaRPr lang="en-US" dirty="0"/>
+          </a:p>
+          <a:p>
+            <a:endParaRPr lang="en-US" dirty="0"/>
+          </a:p>
+          <a:p>
+            <a:r>
+              <a:rPr lang="en-US" dirty="0"/>
+              <a:t>rec:</a:t>
+            </a:r>
+          </a:p>
+          <a:p>
+            <a:r>
+              <a:rPr lang="en-US" dirty="0"/>
+              <a:t>call </a:t>
+            </a:r>
+            <a:r>
+              <a:rPr lang="en-US" dirty="0" err="1"/>
+              <a:t>recrd</a:t>
+            </a:r>
+            <a:endParaRPr lang="en-US" dirty="0"/>
+          </a:p>
+          <a:p>
+            <a:endParaRPr lang="en-US" dirty="0"/>
+          </a:p>
+          <a:p>
+            <a:r>
+              <a:rPr lang="en-US" dirty="0"/>
+              <a:t>del:</a:t>
+            </a:r>
+          </a:p>
+          <a:p>
+            <a:r>
+              <a:rPr lang="en-US" dirty="0"/>
+              <a:t>call </a:t>
+            </a:r>
+            <a:r>
+              <a:rPr lang="en-US" dirty="0" err="1"/>
+              <a:t>delt</a:t>
+            </a:r>
+            <a:endParaRPr lang="en-US" dirty="0"/>
+          </a:p>
+          <a:p>
+            <a:endParaRPr lang="en-US" dirty="0"/>
+          </a:p>
+          <a:p>
+            <a:r>
+              <a:rPr lang="en-US" dirty="0"/>
+              <a:t>bus:</a:t>
+            </a:r>
+          </a:p>
+          <a:p>
+            <a:r>
+              <a:rPr lang="en-US" dirty="0"/>
+              <a:t>call buss</a:t>
+            </a:r>
+          </a:p>
+          <a:p>
+            <a:endParaRPr lang="en-US" dirty="0"/>
+          </a:p>
+        </p:txBody>
+      </p:sp>
+      <p:sp>
+        <p:nvSpPr>
+          <p:cNvPr id="7" name="TextBox 6"/>
+          <p:cNvSpPr txBox="1"/>
+          <p:nvPr/>
+        </p:nvSpPr>
+        <p:spPr>
+          <a:xfrm>
+            <a:off x="5331280" y="1887537"/>
+            <a:ext cx="2392136" cy="2246769"/>
+          </a:xfrm>
+          <a:prstGeom prst="rect">
+            <a:avLst/>
+          </a:prstGeom>
+          <a:noFill/>
+        </p:spPr>
+        <p:txBody>
+          <a:bodyPr wrap="square" rtlCol="0">
+            <a:spAutoFit/>
+          </a:bodyPr>
+          <a:lstStyle/>
+          <a:p>
+            <a:r>
+              <a:rPr lang="sv-SE" dirty="0"/>
+              <a:t>mov ah,1</a:t>
+            </a:r>
+          </a:p>
+          <a:p>
+            <a:r>
+              <a:rPr lang="sv-SE" dirty="0"/>
+              <a:t>int 21h</a:t>
+            </a:r>
+          </a:p>
+          <a:p>
+            <a:r>
+              <a:rPr lang="sv-SE" dirty="0"/>
+              <a:t>mov bl,al  </a:t>
+            </a:r>
+          </a:p>
+          <a:p>
+            <a:endParaRPr lang="sv-SE" dirty="0"/>
+          </a:p>
+          <a:p>
+            <a:r>
+              <a:rPr lang="sv-SE" dirty="0"/>
+              <a:t>mov dx,10</a:t>
+            </a:r>
+          </a:p>
+          <a:p>
+            <a:r>
+              <a:rPr lang="sv-SE" dirty="0"/>
+              <a:t>mov ah,2</a:t>
+            </a:r>
+          </a:p>
+          <a:p>
+            <a:r>
+              <a:rPr lang="sv-SE" dirty="0"/>
+              <a:t>int 21h</a:t>
+            </a:r>
+          </a:p>
+          <a:p>
+            <a:r>
+              <a:rPr lang="sv-SE" dirty="0"/>
+              <a:t>mov dx,13</a:t>
+            </a:r>
+          </a:p>
+          <a:p>
+            <a:r>
+              <a:rPr lang="sv-SE" dirty="0"/>
+              <a:t>mov ah,2</a:t>
+            </a:r>
+          </a:p>
+          <a:p>
+            <a:r>
+              <a:rPr lang="sv-SE" dirty="0"/>
+              <a:t>int 21h</a:t>
+            </a:r>
+            <a:endParaRPr lang="en-US" dirty="0"/>
+          </a:p>
+        </p:txBody>
+      </p:sp>
+    </p:spTree>
+    <p:extLst>
+      <p:ext uri="{BB962C8B-B14F-4D97-AF65-F5344CB8AC3E}">
+        <p14:creationId xmlns:p14="http://schemas.microsoft.com/office/powerpoint/2010/main" val="2004325662"/>
+      </p:ext>
+    </p:extLst>
+  </p:cSld>
+  <p:clrMapOvr>
+    <a:masterClrMapping/>
+  </p:clrMapOvr>
+  <p:timing>
+    <p:tnLst>
+      <p:par>
+        <p:cTn id="1" dur="indefinite" restart="never" nodeType="tmRoot"/>
+      </p:par>
+    </p:tnLst>
+  </p:timing>
+</p:sld>
+</file>
+
+<file path=ppt/slides/slide11.xml><?xml version="1.0" encoding="utf-8"?>
+<p:sld xmlns:a="http://schemas.openxmlformats.org/drawingml/2006/main" xmlns:r="http://schemas.openxmlformats.org/officeDocument/2006/relationships" xmlns:p="http://schemas.openxmlformats.org/presentationml/2006/main">
+  <p:cSld>
+    <p:spTree>
+      <p:nvGrpSpPr>
+        <p:cNvPr id="1" name=""/>
+        <p:cNvGrpSpPr/>
+        <p:nvPr/>
+      </p:nvGrpSpPr>
+      <p:grpSpPr>
+        <a:xfrm>
+          <a:off x="0" y="0"/>
+          <a:ext cx="0" cy="0"/>
+          <a:chOff x="0" y="0"/>
+          <a:chExt cx="0" cy="0"/>
+        </a:xfrm>
+      </p:grpSpPr>
+      <p:sp>
+        <p:nvSpPr>
+          <p:cNvPr id="2" name="Title 1">
+            <a:extLst>
+              <a:ext uri="{FF2B5EF4-FFF2-40B4-BE49-F238E27FC236}">
+                <a16:creationId xmlns:a16="http://schemas.microsoft.com/office/drawing/2014/main" xmlns="" id="{16DD8EE8-FA13-4937-980C-9D9D1A428E2D}"/>
+              </a:ext>
+            </a:extLst>
+          </p:cNvPr>
+          <p:cNvSpPr>
+            <a:spLocks noGrp="1"/>
+          </p:cNvSpPr>
+          <p:nvPr>
+            <p:ph type="title"/>
+          </p:nvPr>
+        </p:nvSpPr>
+        <p:spPr/>
+        <p:txBody>
+          <a:bodyPr/>
+          <a:lstStyle/>
+          <a:p>
+            <a:r>
+              <a:rPr lang="pt-BR" sz="3600" dirty="0"/>
+              <a:t>P</a:t>
+            </a:r>
+            <a:r>
+              <a:rPr lang="pt-BR" sz="3200" dirty="0"/>
+              <a:t> R O J E C T  </a:t>
+            </a:r>
+            <a:r>
+              <a:rPr lang="pt-BR" sz="3600" dirty="0"/>
+              <a:t>F</a:t>
+            </a:r>
+            <a:r>
+              <a:rPr lang="pt-BR" sz="3200" dirty="0"/>
+              <a:t> </a:t>
+            </a:r>
+            <a:r>
+              <a:rPr lang="pt-BR" dirty="0"/>
+              <a:t>E A T U R E S</a:t>
+            </a:r>
+            <a:endParaRPr lang="en-US" dirty="0"/>
+          </a:p>
+        </p:txBody>
+      </p:sp>
+      <p:sp>
+        <p:nvSpPr>
+          <p:cNvPr id="3" name="Subtitle 2">
+            <a:extLst>
+              <a:ext uri="{FF2B5EF4-FFF2-40B4-BE49-F238E27FC236}">
+                <a16:creationId xmlns:a16="http://schemas.microsoft.com/office/drawing/2014/main" xmlns="" id="{DB9AA25F-5DBB-47B0-9214-0036AA9DC80A}"/>
+              </a:ext>
+            </a:extLst>
+          </p:cNvPr>
+          <p:cNvSpPr>
+            <a:spLocks noGrp="1"/>
+          </p:cNvSpPr>
+          <p:nvPr>
+            <p:ph type="subTitle" idx="1"/>
+          </p:nvPr>
+        </p:nvSpPr>
+        <p:spPr>
+          <a:xfrm>
+            <a:off x="713100" y="1104538"/>
+            <a:ext cx="2674586" cy="311400"/>
+          </a:xfrm>
+        </p:spPr>
+        <p:txBody>
+          <a:bodyPr/>
+          <a:lstStyle/>
+          <a:p>
+            <a:r>
+              <a:rPr lang="en-US" dirty="0"/>
+              <a:t>PARKING MENU &amp; COST</a:t>
+            </a:r>
+          </a:p>
+        </p:txBody>
+      </p:sp>
+      <p:pic>
+        <p:nvPicPr>
+          <p:cNvPr id="4098" name="Picture 2"/>
+          <p:cNvPicPr>
+            <a:picLocks noChangeAspect="1" noChangeArrowheads="1"/>
+          </p:cNvPicPr>
+          <p:nvPr/>
+        </p:nvPicPr>
+        <p:blipFill>
+          <a:blip r:embed="rId2">
+            <a:extLst>
+              <a:ext uri="{28A0092B-C50C-407E-A947-70E740481C1C}">
+                <a14:useLocalDpi xmlns:a14="http://schemas.microsoft.com/office/drawing/2010/main" val="0"/>
+              </a:ext>
+            </a:extLst>
+          </a:blip>
+          <a:srcRect/>
+          <a:stretch>
+            <a:fillRect/>
+          </a:stretch>
+        </p:blipFill>
+        <p:spPr bwMode="auto">
+          <a:xfrm>
+            <a:off x="1577749" y="1722671"/>
+            <a:ext cx="4714875" cy="2876550"/>
+          </a:xfrm>
+          <a:prstGeom prst="rect">
+            <a:avLst/>
+          </a:prstGeom>
+          <a:noFill/>
+          <a:ln>
+            <a:noFill/>
+          </a:ln>
+          <a:effectLst/>
+          <a:extLst>
+            <a:ext uri="{909E8E84-426E-40DD-AFC4-6F175D3DCCD1}">
+              <a14:hiddenFill xmlns:a14="http://schemas.microsoft.com/office/drawing/2010/main">
+                <a:solidFill>
+                  <a:schemeClr val="accent1"/>
+                </a:solidFill>
+              </a14:hiddenFill>
+            </a:ext>
+            <a:ext uri="{91240B29-F687-4F45-9708-019B960494DF}">
+              <a14:hiddenLine xmlns:a14="http://schemas.microsoft.com/office/drawing/2010/main" w="9525">
+                <a:solidFill>
+                  <a:schemeClr val="tx1"/>
+                </a:solidFill>
+                <a:miter lim="800000"/>
+                <a:headEnd/>
+                <a:tailEnd/>
+              </a14:hiddenLine>
+            </a:ext>
+            <a:ext uri="{AF507438-7753-43E0-B8FC-AC1667EBCBE1}">
+              <a14:hiddenEffects xmlns:a14="http://schemas.microsoft.com/office/drawing/2010/main">
+                <a:effectLst>
+                  <a:outerShdw dist="35921" dir="2700000" algn="ctr" rotWithShape="0">
+                    <a:schemeClr val="bg2"/>
+                  </a:outerShdw>
+                </a:effectLst>
+              </a14:hiddenEffects>
+            </a:ext>
+          </a:extLst>
+        </p:spPr>
+      </p:pic>
+    </p:spTree>
+    <p:extLst>
+      <p:ext uri="{BB962C8B-B14F-4D97-AF65-F5344CB8AC3E}">
+        <p14:creationId xmlns:p14="http://schemas.microsoft.com/office/powerpoint/2010/main" val="933852520"/>
+      </p:ext>
+    </p:extLst>
+  </p:cSld>
+  <p:clrMapOvr>
+    <a:masterClrMapping/>
+  </p:clrMapOvr>
+  <p:timing>
+    <p:tnLst>
+      <p:par>
+        <p:cTn id="1" dur="indefinite" restart="never" nodeType="tmRoot"/>
+      </p:par>
+    </p:tnLst>
+  </p:timing>
+</p:sld>
+</file>
+
+<file path=ppt/slides/slide12.xml><?xml version="1.0" encoding="utf-8"?>
+<p:sld xmlns:a="http://schemas.openxmlformats.org/drawingml/2006/main" xmlns:r="http://schemas.openxmlformats.org/officeDocument/2006/relationships" xmlns:p="http://schemas.openxmlformats.org/presentationml/2006/main">
+  <p:cSld>
+    <p:spTree>
+      <p:nvGrpSpPr>
+        <p:cNvPr id="1" name=""/>
+        <p:cNvGrpSpPr/>
+        <p:nvPr/>
+      </p:nvGrpSpPr>
+      <p:grpSpPr>
+        <a:xfrm>
+          <a:off x="0" y="0"/>
+          <a:ext cx="0" cy="0"/>
+          <a:chOff x="0" y="0"/>
+          <a:chExt cx="0" cy="0"/>
+        </a:xfrm>
+      </p:grpSpPr>
+      <p:sp>
+        <p:nvSpPr>
+          <p:cNvPr id="2" name="Title 1">
+            <a:extLst>
+              <a:ext uri="{FF2B5EF4-FFF2-40B4-BE49-F238E27FC236}">
+                <a16:creationId xmlns:a16="http://schemas.microsoft.com/office/drawing/2014/main" xmlns="" id="{73B50F0C-B974-40DB-A554-BDDDB9A50B1F}"/>
+              </a:ext>
+            </a:extLst>
+          </p:cNvPr>
+          <p:cNvSpPr>
+            <a:spLocks noGrp="1"/>
+          </p:cNvSpPr>
+          <p:nvPr>
+            <p:ph type="title"/>
+          </p:nvPr>
+        </p:nvSpPr>
+        <p:spPr/>
+        <p:txBody>
+          <a:bodyPr/>
+          <a:lstStyle/>
+          <a:p>
+            <a:r>
+              <a:rPr lang="pt-BR" sz="3200" dirty="0"/>
+              <a:t>P</a:t>
+            </a:r>
+            <a:r>
+              <a:rPr lang="pt-BR" sz="2800" dirty="0"/>
+              <a:t> R O J E C T  </a:t>
+            </a:r>
+            <a:r>
+              <a:rPr lang="pt-BR" sz="3200" dirty="0"/>
+              <a:t>F</a:t>
+            </a:r>
+            <a:r>
+              <a:rPr lang="pt-BR" sz="2800" dirty="0"/>
+              <a:t> </a:t>
+            </a:r>
+            <a:r>
+              <a:rPr lang="pt-BR" dirty="0"/>
+              <a:t>E A T U R E S</a:t>
+            </a:r>
+            <a:endParaRPr lang="en-US" dirty="0"/>
+          </a:p>
+        </p:txBody>
+      </p:sp>
+      <p:sp>
+        <p:nvSpPr>
+          <p:cNvPr id="5" name="Subtitle 4">
+            <a:extLst>
+              <a:ext uri="{FF2B5EF4-FFF2-40B4-BE49-F238E27FC236}">
+                <a16:creationId xmlns:a16="http://schemas.microsoft.com/office/drawing/2014/main" xmlns="" id="{341975B5-9F64-4FA3-B566-D2040D4E2E31}"/>
+              </a:ext>
+            </a:extLst>
+          </p:cNvPr>
+          <p:cNvSpPr>
+            <a:spLocks noGrp="1"/>
+          </p:cNvSpPr>
+          <p:nvPr>
+            <p:ph type="subTitle" idx="3"/>
+          </p:nvPr>
+        </p:nvSpPr>
+        <p:spPr>
+          <a:xfrm>
+            <a:off x="669003" y="1093313"/>
+            <a:ext cx="3663300" cy="311400"/>
+          </a:xfrm>
+        </p:spPr>
+        <p:txBody>
+          <a:bodyPr/>
+          <a:lstStyle/>
+          <a:p>
+            <a:pPr algn="ctr"/>
+            <a:r>
+              <a:rPr lang="en-US" dirty="0"/>
+              <a:t>DELETE THE RECORDS</a:t>
+            </a:r>
+          </a:p>
+        </p:txBody>
+      </p:sp>
+      <p:pic>
+        <p:nvPicPr>
+          <p:cNvPr id="5122" name="Picture 2"/>
+          <p:cNvPicPr>
+            <a:picLocks noChangeAspect="1" noChangeArrowheads="1"/>
+          </p:cNvPicPr>
+          <p:nvPr/>
+        </p:nvPicPr>
+        <p:blipFill>
+          <a:blip r:embed="rId2">
+            <a:extLst>
+              <a:ext uri="{28A0092B-C50C-407E-A947-70E740481C1C}">
+                <a14:useLocalDpi xmlns:a14="http://schemas.microsoft.com/office/drawing/2010/main" val="0"/>
+              </a:ext>
+            </a:extLst>
+          </a:blip>
+          <a:srcRect/>
+          <a:stretch>
+            <a:fillRect/>
+          </a:stretch>
+        </p:blipFill>
+        <p:spPr bwMode="auto">
+          <a:xfrm>
+            <a:off x="1418545" y="1564821"/>
+            <a:ext cx="5229225" cy="2895600"/>
+          </a:xfrm>
+          <a:prstGeom prst="rect">
+            <a:avLst/>
+          </a:prstGeom>
+          <a:noFill/>
+          <a:ln>
+            <a:noFill/>
+          </a:ln>
+          <a:effectLst/>
+          <a:extLst>
+            <a:ext uri="{909E8E84-426E-40DD-AFC4-6F175D3DCCD1}">
+              <a14:hiddenFill xmlns:a14="http://schemas.microsoft.com/office/drawing/2010/main">
+                <a:solidFill>
+                  <a:schemeClr val="accent1"/>
+                </a:solidFill>
+              </a14:hiddenFill>
+            </a:ext>
+            <a:ext uri="{91240B29-F687-4F45-9708-019B960494DF}">
+              <a14:hiddenLine xmlns:a14="http://schemas.microsoft.com/office/drawing/2010/main" w="9525">
+                <a:solidFill>
+                  <a:schemeClr val="tx1"/>
+                </a:solidFill>
+                <a:miter lim="800000"/>
+                <a:headEnd/>
+                <a:tailEnd/>
+              </a14:hiddenLine>
+            </a:ext>
+            <a:ext uri="{AF507438-7753-43E0-B8FC-AC1667EBCBE1}">
+              <a14:hiddenEffects xmlns:a14="http://schemas.microsoft.com/office/drawing/2010/main">
+                <a:effectLst>
+                  <a:outerShdw dist="35921" dir="2700000" algn="ctr" rotWithShape="0">
+                    <a:schemeClr val="bg2"/>
+                  </a:outerShdw>
+                </a:effectLst>
+              </a14:hiddenEffects>
+            </a:ext>
+          </a:extLst>
+        </p:spPr>
+      </p:pic>
+    </p:spTree>
+    <p:extLst>
+      <p:ext uri="{BB962C8B-B14F-4D97-AF65-F5344CB8AC3E}">
+        <p14:creationId xmlns:p14="http://schemas.microsoft.com/office/powerpoint/2010/main" val="466979026"/>
+      </p:ext>
+    </p:extLst>
+  </p:cSld>
+  <p:clrMapOvr>
+    <a:masterClrMapping/>
+  </p:clrMapOvr>
+  <p:timing>
+    <p:tnLst>
+      <p:par>
+        <p:cTn id="1" dur="indefinite" restart="never" nodeType="tmRoot"/>
+      </p:par>
+    </p:tnLst>
+  </p:timing>
+</p:sld>
+</file>
+
+<file path=ppt/slides/slide13.xml><?xml version="1.0" encoding="utf-8"?>
+<p:sld xmlns:a="http://schemas.openxmlformats.org/drawingml/2006/main" xmlns:r="http://schemas.openxmlformats.org/officeDocument/2006/relationships" xmlns:p="http://schemas.openxmlformats.org/presentationml/2006/main">
+  <p:cSld>
+    <p:spTree>
+      <p:nvGrpSpPr>
+        <p:cNvPr id="1" name=""/>
+        <p:cNvGrpSpPr/>
+        <p:nvPr/>
+      </p:nvGrpSpPr>
+      <p:grpSpPr>
+        <a:xfrm>
+          <a:off x="0" y="0"/>
+          <a:ext cx="0" cy="0"/>
+          <a:chOff x="0" y="0"/>
+          <a:chExt cx="0" cy="0"/>
+        </a:xfrm>
+      </p:grpSpPr>
+      <p:sp>
+        <p:nvSpPr>
+          <p:cNvPr id="2" name="Title 1">
+            <a:extLst>
+              <a:ext uri="{FF2B5EF4-FFF2-40B4-BE49-F238E27FC236}">
+                <a16:creationId xmlns:a16="http://schemas.microsoft.com/office/drawing/2014/main" xmlns="" id="{73B50F0C-B974-40DB-A554-BDDDB9A50B1F}"/>
+              </a:ext>
+            </a:extLst>
+          </p:cNvPr>
+          <p:cNvSpPr>
+            <a:spLocks noGrp="1"/>
+          </p:cNvSpPr>
+          <p:nvPr>
+            <p:ph type="title"/>
+          </p:nvPr>
+        </p:nvSpPr>
+        <p:spPr/>
+        <p:txBody>
+          <a:bodyPr/>
+          <a:lstStyle/>
+          <a:p>
+            <a:r>
+              <a:rPr lang="pt-BR" sz="3200" dirty="0"/>
+              <a:t>P</a:t>
+            </a:r>
+            <a:r>
+              <a:rPr lang="pt-BR" sz="2800" dirty="0"/>
+              <a:t> R O J E C T  </a:t>
+            </a:r>
+            <a:r>
+              <a:rPr lang="pt-BR" sz="3200" dirty="0"/>
+              <a:t>F</a:t>
+            </a:r>
+            <a:r>
+              <a:rPr lang="pt-BR" sz="2800" dirty="0"/>
+              <a:t> </a:t>
+            </a:r>
+            <a:r>
+              <a:rPr lang="pt-BR" dirty="0"/>
+              <a:t>E A T U R E S</a:t>
+            </a:r>
+            <a:endParaRPr lang="en-US" dirty="0"/>
+          </a:p>
+        </p:txBody>
+      </p:sp>
+      <p:sp>
+        <p:nvSpPr>
+          <p:cNvPr id="5" name="Subtitle 4">
+            <a:extLst>
+              <a:ext uri="{FF2B5EF4-FFF2-40B4-BE49-F238E27FC236}">
+                <a16:creationId xmlns:a16="http://schemas.microsoft.com/office/drawing/2014/main" xmlns="" id="{341975B5-9F64-4FA3-B566-D2040D4E2E31}"/>
+              </a:ext>
+            </a:extLst>
+          </p:cNvPr>
+          <p:cNvSpPr>
+            <a:spLocks noGrp="1"/>
+          </p:cNvSpPr>
+          <p:nvPr>
+            <p:ph type="subTitle" idx="3"/>
+          </p:nvPr>
+        </p:nvSpPr>
+        <p:spPr>
+          <a:xfrm>
+            <a:off x="669003" y="1093313"/>
+            <a:ext cx="3663300" cy="311400"/>
+          </a:xfrm>
+        </p:spPr>
+        <p:txBody>
+          <a:bodyPr/>
+          <a:lstStyle/>
+          <a:p>
+            <a:r>
+              <a:rPr lang="en-US" dirty="0" smtClean="0"/>
+              <a:t>Exit</a:t>
+            </a:r>
+            <a:endParaRPr lang="en-US" dirty="0"/>
+          </a:p>
+        </p:txBody>
+      </p:sp>
+      <p:pic>
+        <p:nvPicPr>
+          <p:cNvPr id="5123" name="Picture 3"/>
+          <p:cNvPicPr>
+            <a:picLocks noChangeAspect="1" noChangeArrowheads="1"/>
+          </p:cNvPicPr>
+          <p:nvPr/>
+        </p:nvPicPr>
+        <p:blipFill>
+          <a:blip r:embed="rId2">
+            <a:extLst>
+              <a:ext uri="{28A0092B-C50C-407E-A947-70E740481C1C}">
+                <a14:useLocalDpi xmlns:a14="http://schemas.microsoft.com/office/drawing/2010/main" val="0"/>
+              </a:ext>
+            </a:extLst>
+          </a:blip>
+          <a:srcRect/>
+          <a:stretch>
+            <a:fillRect/>
+          </a:stretch>
+        </p:blipFill>
+        <p:spPr bwMode="auto">
+          <a:xfrm>
+            <a:off x="2060802" y="1053190"/>
+            <a:ext cx="4486955" cy="3910693"/>
+          </a:xfrm>
+          <a:prstGeom prst="rect">
+            <a:avLst/>
+          </a:prstGeom>
+          <a:noFill/>
+          <a:ln>
+            <a:noFill/>
+          </a:ln>
+          <a:effectLst/>
+          <a:extLst>
+            <a:ext uri="{909E8E84-426E-40DD-AFC4-6F175D3DCCD1}">
+              <a14:hiddenFill xmlns:a14="http://schemas.microsoft.com/office/drawing/2010/main">
+                <a:solidFill>
+                  <a:schemeClr val="accent1"/>
+                </a:solidFill>
+              </a14:hiddenFill>
+            </a:ext>
+            <a:ext uri="{91240B29-F687-4F45-9708-019B960494DF}">
+              <a14:hiddenLine xmlns:a14="http://schemas.microsoft.com/office/drawing/2010/main" w="9525">
+                <a:solidFill>
+                  <a:schemeClr val="tx1"/>
+                </a:solidFill>
+                <a:miter lim="800000"/>
+                <a:headEnd/>
+                <a:tailEnd/>
+              </a14:hiddenLine>
+            </a:ext>
+            <a:ext uri="{AF507438-7753-43E0-B8FC-AC1667EBCBE1}">
+              <a14:hiddenEffects xmlns:a14="http://schemas.microsoft.com/office/drawing/2010/main">
+                <a:effectLst>
+                  <a:outerShdw dist="35921" dir="2700000" algn="ctr" rotWithShape="0">
+                    <a:schemeClr val="bg2"/>
+                  </a:outerShdw>
+                </a:effectLst>
+              </a14:hiddenEffects>
+            </a:ext>
+          </a:extLst>
+        </p:spPr>
+      </p:pic>
+    </p:spTree>
+    <p:extLst>
+      <p:ext uri="{BB962C8B-B14F-4D97-AF65-F5344CB8AC3E}">
+        <p14:creationId xmlns:p14="http://schemas.microsoft.com/office/powerpoint/2010/main" val="3466589203"/>
+      </p:ext>
+    </p:extLst>
+  </p:cSld>
+  <p:clrMapOvr>
+    <a:masterClrMapping/>
+  </p:clrMapOvr>
+  <p:timing>
+    <p:tnLst>
+      <p:par>
+        <p:cTn id="1" dur="indefinite" restart="never" nodeType="tmRoot"/>
+      </p:par>
+    </p:tnLst>
+  </p:timing>
+</p:sld>
+</file>
+
+<file path=ppt/slides/slide14.xml><?xml version="1.0" encoding="utf-8"?>
+<p:sld xmlns:a="http://schemas.openxmlformats.org/drawingml/2006/main" xmlns:r="http://schemas.openxmlformats.org/officeDocument/2006/relationships" xmlns:p="http://schemas.openxmlformats.org/presentationml/2006/main">
+  <p:cSld>
+    <p:spTree>
+      <p:nvGrpSpPr>
+        <p:cNvPr id="1" name="Shape 577"/>
+        <p:cNvGrpSpPr/>
+        <p:nvPr/>
+      </p:nvGrpSpPr>
+      <p:grpSpPr>
+        <a:xfrm>
+          <a:off x="0" y="0"/>
+          <a:ext cx="0" cy="0"/>
+          <a:chOff x="0" y="0"/>
+          <a:chExt cx="0" cy="0"/>
+        </a:xfrm>
+      </p:grpSpPr>
+      <p:sp>
+        <p:nvSpPr>
+          <p:cNvPr id="578" name="Google Shape;578;p48"/>
+          <p:cNvSpPr/>
+          <p:nvPr/>
+        </p:nvSpPr>
+        <p:spPr>
+          <a:xfrm rot="-5400000">
+            <a:off x="2440617" y="156099"/>
+            <a:ext cx="4262760" cy="5315743"/>
+          </a:xfrm>
+          <a:custGeom>
+            <a:avLst/>
+            <a:gdLst/>
+            <a:ahLst/>
+            <a:cxnLst/>
+            <a:rect l="l" t="t" r="r" b="b"/>
+            <a:pathLst>
+              <a:path w="8622" h="9625" extrusionOk="0">
+                <a:moveTo>
+                  <a:pt x="4436" y="0"/>
+                </a:moveTo>
+                <a:cubicBezTo>
+                  <a:pt x="1928" y="0"/>
+                  <a:pt x="0" y="4791"/>
+                  <a:pt x="1452" y="7627"/>
+                </a:cubicBezTo>
+                <a:cubicBezTo>
+                  <a:pt x="2178" y="9033"/>
+                  <a:pt x="3530" y="9624"/>
+                  <a:pt x="4819" y="9624"/>
+                </a:cubicBezTo>
+                <a:cubicBezTo>
+                  <a:pt x="6203" y="9624"/>
+                  <a:pt x="7514" y="8941"/>
+                  <a:pt x="7896" y="7850"/>
+                </a:cubicBezTo>
+                <a:cubicBezTo>
+                  <a:pt x="8622" y="5744"/>
+                  <a:pt x="7771" y="332"/>
+                  <a:pt x="4646" y="11"/>
+                </a:cubicBezTo>
+                <a:cubicBezTo>
+                  <a:pt x="4576" y="4"/>
+                  <a:pt x="4506" y="0"/>
+                  <a:pt x="4436" y="0"/>
+                </a:cubicBezTo>
+                <a:close/>
+              </a:path>
+            </a:pathLst>
+          </a:custGeom>
+          <a:solidFill>
+            <a:schemeClr val="lt1"/>
+          </a:solidFill>
+          <a:ln>
+            <a:noFill/>
+          </a:ln>
+        </p:spPr>
+        <p:txBody>
+          <a:bodyPr spcFirstLastPara="1" wrap="square" lIns="91425" tIns="91425" rIns="91425" bIns="91425" anchor="ctr" anchorCtr="0">
+            <a:noAutofit/>
+          </a:bodyPr>
+          <a:lstStyle/>
+          <a:p>
+            <a:pPr marL="0" lvl="0" indent="0" algn="l" rtl="0">
+              <a:spcBef>
+                <a:spcPts val="0"/>
+              </a:spcBef>
+              <a:spcAft>
+                <a:spcPts val="0"/>
+              </a:spcAft>
+              <a:buNone/>
+            </a:pPr>
+            <a:endParaRPr/>
+          </a:p>
+        </p:txBody>
+      </p:sp>
+      <p:sp>
+        <p:nvSpPr>
+          <p:cNvPr id="579" name="Google Shape;579;p48"/>
+          <p:cNvSpPr txBox="1">
+            <a:spLocks noGrp="1"/>
+          </p:cNvSpPr>
+          <p:nvPr>
+            <p:ph type="title"/>
+          </p:nvPr>
+        </p:nvSpPr>
+        <p:spPr>
+          <a:xfrm>
+            <a:off x="2169653" y="2067570"/>
+            <a:ext cx="4911017" cy="1492800"/>
+          </a:xfrm>
+          <a:prstGeom prst="rect">
+            <a:avLst/>
+          </a:prstGeom>
+        </p:spPr>
+        <p:txBody>
+          <a:bodyPr spcFirstLastPara="1" wrap="square" lIns="91425" tIns="91425" rIns="91425" bIns="91425" anchor="ctr" anchorCtr="0">
+            <a:noAutofit/>
+          </a:bodyPr>
+          <a:lstStyle/>
+          <a:p>
+            <a:pPr marL="0" lvl="0" indent="0" algn="ctr" rtl="0">
+              <a:spcBef>
+                <a:spcPts val="0"/>
+              </a:spcBef>
+              <a:spcAft>
+                <a:spcPts val="0"/>
+              </a:spcAft>
+              <a:buNone/>
+            </a:pPr>
+            <a:r>
+              <a:rPr lang="en-US" sz="4800" dirty="0">
+                <a:solidFill>
+                  <a:schemeClr val="dk1"/>
+                </a:solidFill>
+              </a:rPr>
+              <a:t>F U T U R E SCOPE </a:t>
+            </a:r>
+          </a:p>
+        </p:txBody>
+      </p:sp>
+      <p:sp>
+        <p:nvSpPr>
+          <p:cNvPr id="581" name="Google Shape;581;p48"/>
+          <p:cNvSpPr/>
+          <p:nvPr/>
+        </p:nvSpPr>
+        <p:spPr>
+          <a:xfrm>
+            <a:off x="4068597" y="612319"/>
+            <a:ext cx="1006800" cy="1006800"/>
+          </a:xfrm>
+          <a:prstGeom prst="ellipse">
+            <a:avLst/>
+          </a:prstGeom>
+          <a:solidFill>
+            <a:schemeClr val="accent4"/>
+          </a:solidFill>
+          <a:ln>
+            <a:noFill/>
+          </a:ln>
+        </p:spPr>
+        <p:txBody>
+          <a:bodyPr spcFirstLastPara="1" wrap="square" lIns="91425" tIns="91425" rIns="91425" bIns="91425" anchor="ctr" anchorCtr="0">
+            <a:noAutofit/>
+          </a:bodyPr>
+          <a:lstStyle/>
+          <a:p>
+            <a:pPr marL="0" lvl="0" indent="0" algn="l" rtl="0">
+              <a:spcBef>
+                <a:spcPts val="0"/>
+              </a:spcBef>
+              <a:spcAft>
+                <a:spcPts val="0"/>
+              </a:spcAft>
+              <a:buNone/>
+            </a:pPr>
+            <a:endParaRPr/>
+          </a:p>
+        </p:txBody>
+      </p:sp>
+      <p:sp>
+        <p:nvSpPr>
+          <p:cNvPr id="582" name="Google Shape;582;p48"/>
+          <p:cNvSpPr txBox="1">
+            <a:spLocks noGrp="1"/>
+          </p:cNvSpPr>
+          <p:nvPr>
+            <p:ph type="title" idx="4294967295"/>
+          </p:nvPr>
+        </p:nvSpPr>
+        <p:spPr>
+          <a:xfrm>
+            <a:off x="4200447" y="744175"/>
+            <a:ext cx="743100" cy="743100"/>
+          </a:xfrm>
+          <a:prstGeom prst="rect">
+            <a:avLst/>
+          </a:prstGeom>
+        </p:spPr>
+        <p:txBody>
+          <a:bodyPr spcFirstLastPara="1" wrap="square" lIns="91425" tIns="91425" rIns="91425" bIns="91425" anchor="ctr" anchorCtr="0">
+            <a:noAutofit/>
+          </a:bodyPr>
+          <a:lstStyle/>
+          <a:p>
+            <a:pPr marL="0" lvl="0" indent="0" algn="ctr" rtl="0">
+              <a:spcBef>
+                <a:spcPts val="0"/>
+              </a:spcBef>
+              <a:spcAft>
+                <a:spcPts val="0"/>
+              </a:spcAft>
+              <a:buNone/>
+            </a:pPr>
+            <a:r>
+              <a:rPr lang="en" sz="3600">
+                <a:solidFill>
+                  <a:schemeClr val="lt1"/>
+                </a:solidFill>
+              </a:rPr>
+              <a:t>03</a:t>
+            </a:r>
+            <a:endParaRPr sz="3600">
+              <a:solidFill>
+                <a:schemeClr val="lt1"/>
+              </a:solidFill>
+            </a:endParaRPr>
+          </a:p>
+        </p:txBody>
+      </p:sp>
+    </p:spTree>
+  </p:cSld>
+  <p:clrMapOvr>
+    <a:masterClrMapping/>
+  </p:clrMapOvr>
+  <p:timing>
+    <p:tnLst>
+      <p:par>
+        <p:cTn id="1" dur="indefinite" restart="never" nodeType="tmRoot"/>
+      </p:par>
+    </p:tnLst>
+  </p:timing>
+</p:sld>
+</file>
+
+<file path=ppt/slides/slide15.xml><?xml version="1.0" encoding="utf-8"?>
+<p:sld xmlns:a="http://schemas.openxmlformats.org/drawingml/2006/main" xmlns:r="http://schemas.openxmlformats.org/officeDocument/2006/relationships" xmlns:p="http://schemas.openxmlformats.org/presentationml/2006/main">
+  <p:cSld>
+    <p:spTree>
+      <p:nvGrpSpPr>
+        <p:cNvPr id="1" name="Shape 577"/>
+        <p:cNvGrpSpPr/>
+        <p:nvPr/>
+      </p:nvGrpSpPr>
+      <p:grpSpPr>
+        <a:xfrm>
+          <a:off x="0" y="0"/>
+          <a:ext cx="0" cy="0"/>
+          <a:chOff x="0" y="0"/>
+          <a:chExt cx="0" cy="0"/>
+        </a:xfrm>
+      </p:grpSpPr>
+      <p:sp>
+        <p:nvSpPr>
+          <p:cNvPr id="578" name="Google Shape;578;p48"/>
+          <p:cNvSpPr/>
+          <p:nvPr/>
+        </p:nvSpPr>
+        <p:spPr>
+          <a:xfrm rot="-5400000">
+            <a:off x="2440617" y="156099"/>
+            <a:ext cx="4262760" cy="5315743"/>
+          </a:xfrm>
+          <a:custGeom>
+            <a:avLst/>
+            <a:gdLst/>
+            <a:ahLst/>
+            <a:cxnLst/>
+            <a:rect l="l" t="t" r="r" b="b"/>
+            <a:pathLst>
+              <a:path w="8622" h="9625" extrusionOk="0">
+                <a:moveTo>
+                  <a:pt x="4436" y="0"/>
+                </a:moveTo>
+                <a:cubicBezTo>
+                  <a:pt x="1928" y="0"/>
+                  <a:pt x="0" y="4791"/>
+                  <a:pt x="1452" y="7627"/>
+                </a:cubicBezTo>
+                <a:cubicBezTo>
+                  <a:pt x="2178" y="9033"/>
+                  <a:pt x="3530" y="9624"/>
+                  <a:pt x="4819" y="9624"/>
+                </a:cubicBezTo>
+                <a:cubicBezTo>
+                  <a:pt x="6203" y="9624"/>
+                  <a:pt x="7514" y="8941"/>
+                  <a:pt x="7896" y="7850"/>
+                </a:cubicBezTo>
+                <a:cubicBezTo>
+                  <a:pt x="8622" y="5744"/>
+                  <a:pt x="7771" y="332"/>
+                  <a:pt x="4646" y="11"/>
+                </a:cubicBezTo>
+                <a:cubicBezTo>
+                  <a:pt x="4576" y="4"/>
+                  <a:pt x="4506" y="0"/>
+                  <a:pt x="4436" y="0"/>
+                </a:cubicBezTo>
+                <a:close/>
+              </a:path>
+            </a:pathLst>
+          </a:custGeom>
+          <a:solidFill>
+            <a:schemeClr val="lt1"/>
+          </a:solidFill>
+          <a:ln>
+            <a:noFill/>
+          </a:ln>
+        </p:spPr>
+        <p:txBody>
+          <a:bodyPr spcFirstLastPara="1" wrap="square" lIns="91425" tIns="91425" rIns="91425" bIns="91425" anchor="ctr" anchorCtr="0">
+            <a:noAutofit/>
+          </a:bodyPr>
+          <a:lstStyle/>
+          <a:p>
+            <a:pPr marL="0" lvl="0" indent="0" algn="l" rtl="0">
+              <a:spcBef>
+                <a:spcPts val="0"/>
+              </a:spcBef>
+              <a:spcAft>
+                <a:spcPts val="0"/>
+              </a:spcAft>
+              <a:buNone/>
+            </a:pPr>
+            <a:endParaRPr/>
+          </a:p>
+        </p:txBody>
+      </p:sp>
+      <p:sp>
+        <p:nvSpPr>
+          <p:cNvPr id="579" name="Google Shape;579;p48"/>
+          <p:cNvSpPr txBox="1">
+            <a:spLocks noGrp="1"/>
+          </p:cNvSpPr>
+          <p:nvPr>
+            <p:ph type="title"/>
+          </p:nvPr>
+        </p:nvSpPr>
+        <p:spPr>
+          <a:xfrm>
+            <a:off x="2169653" y="2067570"/>
+            <a:ext cx="4911017" cy="1492800"/>
+          </a:xfrm>
+          <a:prstGeom prst="rect">
+            <a:avLst/>
+          </a:prstGeom>
+        </p:spPr>
+        <p:txBody>
+          <a:bodyPr spcFirstLastPara="1" wrap="square" lIns="91425" tIns="91425" rIns="91425" bIns="91425" anchor="ctr" anchorCtr="0">
+            <a:noAutofit/>
+          </a:bodyPr>
+          <a:lstStyle/>
+          <a:p>
+            <a:pPr marL="0" lvl="0" indent="0" algn="ctr" rtl="0">
+              <a:spcBef>
+                <a:spcPts val="0"/>
+              </a:spcBef>
+              <a:spcAft>
+                <a:spcPts val="0"/>
+              </a:spcAft>
+              <a:buNone/>
+            </a:pPr>
+            <a:r>
+              <a:rPr lang="en-US" sz="4800" dirty="0" smtClean="0">
+                <a:solidFill>
+                  <a:schemeClr val="dk1"/>
+                </a:solidFill>
+              </a:rPr>
+              <a:t>Benefits of car Parking</a:t>
+            </a:r>
+            <a:endParaRPr lang="en-US" sz="4800" dirty="0">
+              <a:solidFill>
+                <a:schemeClr val="dk1"/>
+              </a:solidFill>
+            </a:endParaRPr>
+          </a:p>
+        </p:txBody>
+      </p:sp>
+      <p:sp>
+        <p:nvSpPr>
+          <p:cNvPr id="581" name="Google Shape;581;p48"/>
+          <p:cNvSpPr/>
+          <p:nvPr/>
+        </p:nvSpPr>
+        <p:spPr>
+          <a:xfrm>
+            <a:off x="4068597" y="612319"/>
+            <a:ext cx="1006800" cy="1006800"/>
+          </a:xfrm>
+          <a:prstGeom prst="ellipse">
+            <a:avLst/>
+          </a:prstGeom>
+          <a:solidFill>
+            <a:schemeClr val="accent4"/>
+          </a:solidFill>
+          <a:ln>
+            <a:noFill/>
+          </a:ln>
+        </p:spPr>
+        <p:txBody>
+          <a:bodyPr spcFirstLastPara="1" wrap="square" lIns="91425" tIns="91425" rIns="91425" bIns="91425" anchor="ctr" anchorCtr="0">
+            <a:noAutofit/>
+          </a:bodyPr>
+          <a:lstStyle/>
+          <a:p>
+            <a:pPr marL="0" lvl="0" indent="0" algn="l" rtl="0">
+              <a:spcBef>
+                <a:spcPts val="0"/>
+              </a:spcBef>
+              <a:spcAft>
+                <a:spcPts val="0"/>
+              </a:spcAft>
+              <a:buNone/>
+            </a:pPr>
+            <a:endParaRPr/>
+          </a:p>
+        </p:txBody>
+      </p:sp>
+      <p:sp>
+        <p:nvSpPr>
+          <p:cNvPr id="582" name="Google Shape;582;p48"/>
+          <p:cNvSpPr txBox="1">
+            <a:spLocks noGrp="1"/>
+          </p:cNvSpPr>
+          <p:nvPr>
+            <p:ph type="title" idx="4294967295"/>
+          </p:nvPr>
+        </p:nvSpPr>
+        <p:spPr>
+          <a:xfrm>
+            <a:off x="4200447" y="744175"/>
+            <a:ext cx="743100" cy="743100"/>
+          </a:xfrm>
+          <a:prstGeom prst="rect">
+            <a:avLst/>
+          </a:prstGeom>
+        </p:spPr>
+        <p:txBody>
+          <a:bodyPr spcFirstLastPara="1" wrap="square" lIns="91425" tIns="91425" rIns="91425" bIns="91425" anchor="ctr" anchorCtr="0">
+            <a:noAutofit/>
+          </a:bodyPr>
+          <a:lstStyle/>
+          <a:p>
+            <a:pPr marL="0" lvl="0" indent="0" algn="ctr" rtl="0">
+              <a:spcBef>
+                <a:spcPts val="0"/>
+              </a:spcBef>
+              <a:spcAft>
+                <a:spcPts val="0"/>
+              </a:spcAft>
+              <a:buNone/>
+            </a:pPr>
+            <a:r>
+              <a:rPr lang="en" sz="3600">
+                <a:solidFill>
+                  <a:schemeClr val="lt1"/>
+                </a:solidFill>
+              </a:rPr>
+              <a:t>03</a:t>
+            </a:r>
+            <a:endParaRPr sz="3600">
+              <a:solidFill>
+                <a:schemeClr val="lt1"/>
+              </a:solidFill>
+            </a:endParaRPr>
+          </a:p>
+        </p:txBody>
+      </p:sp>
+    </p:spTree>
+    <p:extLst>
+      <p:ext uri="{BB962C8B-B14F-4D97-AF65-F5344CB8AC3E}">
+        <p14:creationId xmlns:p14="http://schemas.microsoft.com/office/powerpoint/2010/main" val="321769715"/>
+      </p:ext>
+    </p:extLst>
+  </p:cSld>
+  <p:clrMapOvr>
+    <a:masterClrMapping/>
+  </p:clrMapOvr>
+  <p:timing>
+    <p:tnLst>
+      <p:par>
+        <p:cTn id="1" dur="indefinite" restart="never" nodeType="tmRoot"/>
+      </p:par>
+    </p:tnLst>
+  </p:timing>
+</p:sld>
+</file>
+
+<file path=ppt/slides/slide16.xml><?xml version="1.0" encoding="utf-8"?>
 <p:sld xmlns:a="http://schemas.openxmlformats.org/drawingml/2006/main" xmlns:r="http://schemas.openxmlformats.org/officeDocument/2006/relationships" xmlns:p="http://schemas.openxmlformats.org/presentationml/2006/main">
   <p:cSld>
     <p:bg>
@@ -16371,6 +17920,13 @@
   <p:clrMapOvr>
     <a:masterClrMapping/>
   </p:clrMapOvr>
+  <p:timing>
+    <p:tnLst>
+      <p:par>
+        <p:cTn id="1" dur="indefinite" restart="never" nodeType="tmRoot"/>
+      </p:par>
+    </p:tnLst>
+  </p:timing>
 </p:sld>
 </file>
 
@@ -16764,7 +18320,7 @@
           <p:cNvPr id="12" name="Google Shape;827;p56">
             <a:extLst>
               <a:ext uri="{FF2B5EF4-FFF2-40B4-BE49-F238E27FC236}">
-                <a16:creationId xmlns:a16="http://schemas.microsoft.com/office/drawing/2014/main" id="{8BAD6EEF-3E5A-48A5-B35F-3E07CEDEEE6F}"/>
+                <a16:creationId xmlns:a16="http://schemas.microsoft.com/office/drawing/2014/main" xmlns="" id="{8BAD6EEF-3E5A-48A5-B35F-3E07CEDEEE6F}"/>
               </a:ext>
             </a:extLst>
           </p:cNvPr>
@@ -16795,7 +18351,7 @@
           <p:cNvPr id="13" name="Google Shape;832;p56">
             <a:extLst>
               <a:ext uri="{FF2B5EF4-FFF2-40B4-BE49-F238E27FC236}">
-                <a16:creationId xmlns:a16="http://schemas.microsoft.com/office/drawing/2014/main" id="{7E0AC1E1-94E6-4EDF-93BA-5920897EEC2C}"/>
+                <a16:creationId xmlns:a16="http://schemas.microsoft.com/office/drawing/2014/main" xmlns="" id="{7E0AC1E1-94E6-4EDF-93BA-5920897EEC2C}"/>
               </a:ext>
             </a:extLst>
           </p:cNvPr>
@@ -17082,7 +18638,7 @@
           <p:cNvPr id="14" name="Google Shape;833;p56">
             <a:extLst>
               <a:ext uri="{FF2B5EF4-FFF2-40B4-BE49-F238E27FC236}">
-                <a16:creationId xmlns:a16="http://schemas.microsoft.com/office/drawing/2014/main" id="{EB9AC3CE-F7EE-4578-BCD0-98746C442E10}"/>
+                <a16:creationId xmlns:a16="http://schemas.microsoft.com/office/drawing/2014/main" xmlns="" id="{EB9AC3CE-F7EE-4578-BCD0-98746C442E10}"/>
               </a:ext>
             </a:extLst>
           </p:cNvPr>
@@ -17372,6 +18928,13 @@
   <p:clrMapOvr>
     <a:masterClrMapping/>
   </p:clrMapOvr>
+  <p:timing>
+    <p:tnLst>
+      <p:par>
+        <p:cTn id="1" dur="indefinite" restart="never" nodeType="tmRoot"/>
+      </p:par>
+    </p:tnLst>
+  </p:timing>
 </p:sld>
 </file>
 
@@ -17965,6 +19528,13 @@
   <p:clrMapOvr>
     <a:masterClrMapping/>
   </p:clrMapOvr>
+  <p:timing>
+    <p:tnLst>
+      <p:par>
+        <p:cTn id="1" dur="indefinite" restart="never" nodeType="tmRoot"/>
+      </p:par>
+    </p:tnLst>
+  </p:timing>
 </p:sld>
 </file>
 
@@ -18603,6 +20173,13 @@
   <p:clrMapOvr>
     <a:masterClrMapping/>
   </p:clrMapOvr>
+  <p:timing>
+    <p:tnLst>
+      <p:par>
+        <p:cTn id="1" dur="indefinite" restart="never" nodeType="tmRoot"/>
+      </p:par>
+    </p:tnLst>
+  </p:timing>
 </p:sld>
 </file>
 
@@ -19847,7 +21424,7 @@
           <p:cNvPr id="27" name="Picture 26">
             <a:extLst>
               <a:ext uri="{FF2B5EF4-FFF2-40B4-BE49-F238E27FC236}">
-                <a16:creationId xmlns:a16="http://schemas.microsoft.com/office/drawing/2014/main" id="{F74C3508-533B-4F65-8EE4-8C5DCE3E354C}"/>
+                <a16:creationId xmlns:a16="http://schemas.microsoft.com/office/drawing/2014/main" xmlns="" id="{F74C3508-533B-4F65-8EE4-8C5DCE3E354C}"/>
               </a:ext>
             </a:extLst>
           </p:cNvPr>
@@ -19883,6 +21460,13 @@
   <p:clrMapOvr>
     <a:masterClrMapping/>
   </p:clrMapOvr>
+  <p:timing>
+    <p:tnLst>
+      <p:par>
+        <p:cTn id="1" dur="indefinite" restart="never" nodeType="tmRoot"/>
+      </p:par>
+    </p:tnLst>
+  </p:timing>
 </p:sld>
 </file>
 
@@ -20639,6 +22223,13 @@
   <p:clrMapOvr>
     <a:masterClrMapping/>
   </p:clrMapOvr>
+  <p:timing>
+    <p:tnLst>
+      <p:par>
+        <p:cTn id="1" dur="indefinite" restart="never" nodeType="tmRoot"/>
+      </p:par>
+    </p:tnLst>
+  </p:timing>
 </p:sld>
 </file>
 
@@ -20664,7 +22255,7 @@
           <p:cNvPr id="2" name="Title 1">
             <a:extLst>
               <a:ext uri="{FF2B5EF4-FFF2-40B4-BE49-F238E27FC236}">
-                <a16:creationId xmlns:a16="http://schemas.microsoft.com/office/drawing/2014/main" id="{16DD8EE8-FA13-4937-980C-9D9D1A428E2D}"/>
+                <a16:creationId xmlns:a16="http://schemas.microsoft.com/office/drawing/2014/main" xmlns="" id="{16DD8EE8-FA13-4937-980C-9D9D1A428E2D}"/>
               </a:ext>
             </a:extLst>
           </p:cNvPr>
@@ -20686,19 +22277,11 @@
             </a:r>
             <a:r>
               <a:rPr lang="pt-BR" sz="3200" dirty="0"/>
-              <a:t> R O J E C T  </a:t>
+              <a:t> R O J E C </a:t>
             </a:r>
             <a:r>
-              <a:rPr lang="pt-BR" sz="3600" dirty="0"/>
-              <a:t>F</a:t>
-            </a:r>
-            <a:r>
-              <a:rPr lang="pt-BR" sz="3200" dirty="0"/>
-              <a:t> </a:t>
-            </a:r>
-            <a:r>
-              <a:rPr lang="pt-BR" dirty="0"/>
-              <a:t>E A T U R E S</a:t>
+              <a:rPr lang="pt-BR" sz="3200" dirty="0" smtClean="0"/>
+              <a:t>T Function</a:t>
             </a:r>
             <a:endParaRPr lang="en-US" dirty="0"/>
           </a:p>
@@ -20709,7 +22292,7 @@
           <p:cNvPr id="3" name="Subtitle 2">
             <a:extLst>
               <a:ext uri="{FF2B5EF4-FFF2-40B4-BE49-F238E27FC236}">
-                <a16:creationId xmlns:a16="http://schemas.microsoft.com/office/drawing/2014/main" id="{DB9AA25F-5DBB-47B0-9214-0036AA9DC80A}"/>
+                <a16:creationId xmlns:a16="http://schemas.microsoft.com/office/drawing/2014/main" xmlns="" id="{DB9AA25F-5DBB-47B0-9214-0036AA9DC80A}"/>
               </a:ext>
             </a:extLst>
           </p:cNvPr>
@@ -20722,7 +22305,7 @@
         </p:nvSpPr>
         <p:spPr>
           <a:xfrm>
-            <a:off x="713100" y="1104538"/>
+            <a:off x="664114" y="1341302"/>
             <a:ext cx="2674586" cy="311400"/>
           </a:xfrm>
         </p:spPr>
@@ -20730,83 +22313,175 @@
           <a:bodyPr/>
           <a:lstStyle/>
           <a:p>
+            <a:pPr algn="l"/>
+            <a:r>
+              <a:rPr lang="en-US" dirty="0" smtClean="0"/>
+              <a:t>Loop</a:t>
+            </a:r>
+            <a:endParaRPr lang="en-US" dirty="0"/>
+          </a:p>
+        </p:txBody>
+      </p:sp>
+      <p:sp>
+        <p:nvSpPr>
+          <p:cNvPr id="4" name="TextBox 3"/>
+          <p:cNvSpPr txBox="1"/>
+          <p:nvPr/>
+        </p:nvSpPr>
+        <p:spPr>
+          <a:xfrm>
+            <a:off x="1257300" y="1902279"/>
+            <a:ext cx="6931479" cy="2031325"/>
+          </a:xfrm>
+          <a:prstGeom prst="rect">
+            <a:avLst/>
+          </a:prstGeom>
+          <a:noFill/>
+        </p:spPr>
+        <p:txBody>
+          <a:bodyPr wrap="square" rtlCol="0">
+            <a:spAutoFit/>
+          </a:bodyPr>
+          <a:lstStyle/>
+          <a:p>
             <a:r>
               <a:rPr lang="en-US" dirty="0"/>
-              <a:t>PARKING MENU &amp; COST</a:t>
+              <a:t>while_:   </a:t>
             </a:r>
+          </a:p>
+          <a:p>
+            <a:r>
+              <a:rPr lang="en-US" dirty="0"/>
+              <a:t>             ;Menu</a:t>
+            </a:r>
+          </a:p>
+          <a:p>
+            <a:r>
+              <a:rPr lang="en-US" dirty="0" err="1"/>
+              <a:t>mov</a:t>
+            </a:r>
+            <a:r>
+              <a:rPr lang="en-US" dirty="0"/>
+              <a:t> dx,10</a:t>
+            </a:r>
+          </a:p>
+          <a:p>
+            <a:r>
+              <a:rPr lang="en-US" dirty="0" err="1"/>
+              <a:t>mov</a:t>
+            </a:r>
+            <a:r>
+              <a:rPr lang="en-US" dirty="0"/>
+              <a:t> ah,2</a:t>
+            </a:r>
+          </a:p>
+          <a:p>
+            <a:r>
+              <a:rPr lang="en-US" dirty="0" err="1"/>
+              <a:t>int</a:t>
+            </a:r>
+            <a:r>
+              <a:rPr lang="en-US" dirty="0"/>
+              <a:t> 21h</a:t>
+            </a:r>
+          </a:p>
+          <a:p>
+            <a:r>
+              <a:rPr lang="en-US" dirty="0" err="1"/>
+              <a:t>mov</a:t>
+            </a:r>
+            <a:r>
+              <a:rPr lang="en-US" dirty="0"/>
+              <a:t> dx,13</a:t>
+            </a:r>
+          </a:p>
+          <a:p>
+            <a:r>
+              <a:rPr lang="en-US" dirty="0" err="1"/>
+              <a:t>mov</a:t>
+            </a:r>
+            <a:r>
+              <a:rPr lang="en-US" dirty="0"/>
+              <a:t> ah,2</a:t>
+            </a:r>
+          </a:p>
+          <a:p>
+            <a:r>
+              <a:rPr lang="en-US" dirty="0" err="1"/>
+              <a:t>int</a:t>
+            </a:r>
+            <a:r>
+              <a:rPr lang="en-US" dirty="0"/>
+              <a:t> 21h</a:t>
+            </a:r>
+          </a:p>
+          <a:p>
+            <a:endParaRPr lang="en-US" dirty="0"/>
           </a:p>
         </p:txBody>
       </p:sp>
       <p:pic>
         <p:nvPicPr>
-          <p:cNvPr id="24" name="Picture 23">
-            <a:extLst>
-              <a:ext uri="{FF2B5EF4-FFF2-40B4-BE49-F238E27FC236}">
-                <a16:creationId xmlns:a16="http://schemas.microsoft.com/office/drawing/2014/main" id="{E00A8244-A7CC-4FBB-BD33-49A2FAF3478B}"/>
-              </a:ext>
-            </a:extLst>
-          </p:cNvPr>
+          <p:cNvPr id="1028" name="Picture 4"/>
           <p:cNvPicPr>
-            <a:picLocks noChangeAspect="1"/>
+            <a:picLocks noChangeAspect="1" noChangeArrowheads="1"/>
           </p:cNvPicPr>
           <p:nvPr/>
         </p:nvPicPr>
         <p:blipFill>
-          <a:blip r:embed="rId2"/>
+          <a:blip r:embed="rId2">
+            <a:extLst>
+              <a:ext uri="{28A0092B-C50C-407E-A947-70E740481C1C}">
+                <a14:useLocalDpi xmlns:a14="http://schemas.microsoft.com/office/drawing/2010/main" val="0"/>
+              </a:ext>
+            </a:extLst>
+          </a:blip>
+          <a:srcRect/>
           <a:stretch>
             <a:fillRect/>
           </a:stretch>
         </p:blipFill>
-        <p:spPr>
+        <p:spPr bwMode="auto">
           <a:xfrm>
-            <a:off x="3582013" y="3160946"/>
-            <a:ext cx="5445028" cy="1757473"/>
+            <a:off x="3049784" y="1736160"/>
+            <a:ext cx="5310445" cy="1741826"/>
           </a:xfrm>
           <a:prstGeom prst="rect">
             <a:avLst/>
           </a:prstGeom>
+          <a:noFill/>
           <a:ln>
             <a:noFill/>
           </a:ln>
-          <a:effectLst>
-            <a:softEdge rad="112500"/>
-          </a:effectLst>
-        </p:spPr>
-      </p:pic>
-      <p:pic>
-        <p:nvPicPr>
-          <p:cNvPr id="26" name="Picture 25">
-            <a:extLst>
-              <a:ext uri="{FF2B5EF4-FFF2-40B4-BE49-F238E27FC236}">
-                <a16:creationId xmlns:a16="http://schemas.microsoft.com/office/drawing/2014/main" id="{3991ADEA-FD3B-4EFF-B69F-EA14A94EE11A}"/>
-              </a:ext>
-            </a:extLst>
-          </p:cNvPr>
-          <p:cNvPicPr>
-            <a:picLocks noChangeAspect="1"/>
-          </p:cNvPicPr>
-          <p:nvPr/>
-        </p:nvPicPr>
-        <p:blipFill>
-          <a:blip r:embed="rId3"/>
-          <a:stretch>
-            <a:fillRect/>
-          </a:stretch>
-        </p:blipFill>
-        <p:spPr>
-          <a:xfrm>
-            <a:off x="0" y="1502751"/>
-            <a:ext cx="4804254" cy="1701223"/>
-          </a:xfrm>
-          <a:prstGeom prst="rect">
-            <a:avLst/>
-          </a:prstGeom>
-          <a:ln>
-            <a:noFill/>
-          </a:ln>
-          <a:effectLst>
-            <a:softEdge rad="112500"/>
-          </a:effectLst>
+          <a:effectLst/>
+          <a:extLst>
+            <a:ext uri="{909E8E84-426E-40DD-AFC4-6F175D3DCCD1}">
+              <a14:hiddenFill xmlns:a14="http://schemas.microsoft.com/office/drawing/2010/main">
+                <a:solidFill>
+                  <a:schemeClr val="accent1"/>
+                </a:solidFill>
+              </a14:hiddenFill>
+            </a:ext>
+            <a:ext uri="{91240B29-F687-4F45-9708-019B960494DF}">
+              <a14:hiddenLine xmlns:a14="http://schemas.microsoft.com/office/drawing/2010/main" w="9525">
+                <a:solidFill>
+                  <a:schemeClr val="tx1"/>
+                </a:solidFill>
+                <a:miter lim="800000"/>
+                <a:headEnd/>
+                <a:tailEnd/>
+              </a14:hiddenLine>
+            </a:ext>
+            <a:ext uri="{AF507438-7753-43E0-B8FC-AC1667EBCBE1}">
+              <a14:hiddenEffects xmlns:a14="http://schemas.microsoft.com/office/drawing/2010/main">
+                <a:effectLst>
+                  <a:outerShdw dist="35921" dir="2700000" algn="ctr" rotWithShape="0">
+                    <a:schemeClr val="bg2"/>
+                  </a:outerShdw>
+                </a:effectLst>
+              </a14:hiddenEffects>
+            </a:ext>
+          </a:extLst>
         </p:spPr>
       </p:pic>
     </p:spTree>
@@ -20819,6 +22494,13 @@
   <p:clrMapOvr>
     <a:masterClrMapping/>
   </p:clrMapOvr>
+  <p:timing>
+    <p:tnLst>
+      <p:par>
+        <p:cTn id="1" dur="indefinite" restart="never" nodeType="tmRoot"/>
+      </p:par>
+    </p:tnLst>
+  </p:timing>
 </p:sld>
 </file>
 
@@ -20844,7 +22526,7 @@
           <p:cNvPr id="2" name="Title 1">
             <a:extLst>
               <a:ext uri="{FF2B5EF4-FFF2-40B4-BE49-F238E27FC236}">
-                <a16:creationId xmlns:a16="http://schemas.microsoft.com/office/drawing/2014/main" id="{73B50F0C-B974-40DB-A554-BDDDB9A50B1F}"/>
+                <a16:creationId xmlns:a16="http://schemas.microsoft.com/office/drawing/2014/main" xmlns="" id="{16DD8EE8-FA13-4937-980C-9D9D1A428E2D}"/>
               </a:ext>
             </a:extLst>
           </p:cNvPr>
@@ -20861,24 +22543,16 @@
           <a:lstStyle/>
           <a:p>
             <a:r>
-              <a:rPr lang="pt-BR" sz="3200" dirty="0"/>
+              <a:rPr lang="pt-BR" sz="3600" dirty="0"/>
               <a:t>P</a:t>
             </a:r>
             <a:r>
-              <a:rPr lang="pt-BR" sz="2800" dirty="0"/>
-              <a:t> R O J E C T  </a:t>
+              <a:rPr lang="pt-BR" sz="3200" dirty="0"/>
+              <a:t> R O J E C </a:t>
             </a:r>
             <a:r>
-              <a:rPr lang="pt-BR" sz="3200" dirty="0"/>
-              <a:t>F</a:t>
-            </a:r>
-            <a:r>
-              <a:rPr lang="pt-BR" sz="2800" dirty="0"/>
-              <a:t> </a:t>
-            </a:r>
-            <a:r>
-              <a:rPr lang="pt-BR" dirty="0"/>
-              <a:t>E A T U R E S</a:t>
+              <a:rPr lang="pt-BR" sz="3200" dirty="0" smtClean="0"/>
+              <a:t>T Function</a:t>
             </a:r>
             <a:endParaRPr lang="en-US" dirty="0"/>
           </a:p>
@@ -20889,7 +22563,7 @@
           <p:cNvPr id="3" name="Subtitle 2">
             <a:extLst>
               <a:ext uri="{FF2B5EF4-FFF2-40B4-BE49-F238E27FC236}">
-                <a16:creationId xmlns:a16="http://schemas.microsoft.com/office/drawing/2014/main" id="{690F2EC0-1BC8-4F97-BE31-D645B7524855}"/>
+                <a16:creationId xmlns:a16="http://schemas.microsoft.com/office/drawing/2014/main" xmlns="" id="{DB9AA25F-5DBB-47B0-9214-0036AA9DC80A}"/>
               </a:ext>
             </a:extLst>
           </p:cNvPr>
@@ -20902,161 +22576,165 @@
         </p:nvSpPr>
         <p:spPr>
           <a:xfrm>
-            <a:off x="483284" y="1256598"/>
-            <a:ext cx="3663300" cy="311400"/>
+            <a:off x="664114" y="1341302"/>
+            <a:ext cx="2674586" cy="311400"/>
           </a:xfrm>
         </p:spPr>
         <p:txBody>
           <a:bodyPr/>
           <a:lstStyle/>
           <a:p>
-            <a:pPr algn="ctr"/>
+            <a:pPr algn="l"/>
             <a:r>
-              <a:rPr lang="en-US" dirty="0"/>
-              <a:t>PRINT THE BILL</a:t>
+              <a:rPr lang="en-US" dirty="0" smtClean="0"/>
+              <a:t>offset</a:t>
             </a:r>
+            <a:endParaRPr lang="en-US" dirty="0"/>
           </a:p>
         </p:txBody>
       </p:sp>
       <p:sp>
         <p:nvSpPr>
-          <p:cNvPr id="5" name="Subtitle 4">
-            <a:extLst>
-              <a:ext uri="{FF2B5EF4-FFF2-40B4-BE49-F238E27FC236}">
-                <a16:creationId xmlns:a16="http://schemas.microsoft.com/office/drawing/2014/main" id="{341975B5-9F64-4FA3-B566-D2040D4E2E31}"/>
-              </a:ext>
-            </a:extLst>
-          </p:cNvPr>
-          <p:cNvSpPr>
-            <a:spLocks noGrp="1"/>
-          </p:cNvSpPr>
-          <p:nvPr>
-            <p:ph type="subTitle" idx="3"/>
-          </p:nvPr>
+          <p:cNvPr id="4" name="TextBox 3"/>
+          <p:cNvSpPr txBox="1"/>
+          <p:nvPr/>
         </p:nvSpPr>
         <p:spPr>
           <a:xfrm>
-            <a:off x="4767475" y="1256598"/>
-            <a:ext cx="3663300" cy="311400"/>
+            <a:off x="1257300" y="1902279"/>
+            <a:ext cx="6931479" cy="738664"/>
           </a:xfrm>
+          <a:prstGeom prst="rect">
+            <a:avLst/>
+          </a:prstGeom>
+          <a:noFill/>
         </p:spPr>
         <p:txBody>
-          <a:bodyPr/>
+          <a:bodyPr wrap="square" rtlCol="0">
+            <a:spAutoFit/>
+          </a:bodyPr>
           <a:lstStyle/>
           <a:p>
-            <a:pPr algn="ctr"/>
+            <a:r>
+              <a:rPr lang="en-US" dirty="0" err="1"/>
+              <a:t>mov</a:t>
+            </a:r>
             <a:r>
               <a:rPr lang="en-US" dirty="0"/>
-              <a:t>DELETE THE RECORDS</a:t>
+              <a:t> </a:t>
+            </a:r>
+            <a:r>
+              <a:rPr lang="en-US" dirty="0" err="1"/>
+              <a:t>dx,offset</a:t>
+            </a:r>
+            <a:r>
+              <a:rPr lang="en-US" dirty="0"/>
+              <a:t> menu</a:t>
             </a:r>
           </a:p>
-        </p:txBody>
-      </p:sp>
-      <p:sp>
-        <p:nvSpPr>
-          <p:cNvPr id="6" name="Subtitle 5">
-            <a:extLst>
-              <a:ext uri="{FF2B5EF4-FFF2-40B4-BE49-F238E27FC236}">
-                <a16:creationId xmlns:a16="http://schemas.microsoft.com/office/drawing/2014/main" id="{384F013B-BEB6-49FA-B205-2CA484DDDB07}"/>
-              </a:ext>
-            </a:extLst>
-          </p:cNvPr>
-          <p:cNvSpPr>
-            <a:spLocks noGrp="1"/>
-          </p:cNvSpPr>
-          <p:nvPr>
-            <p:ph type="subTitle" idx="4"/>
-          </p:nvPr>
-        </p:nvSpPr>
-        <p:spPr/>
-        <p:txBody>
-          <a:bodyPr/>
-          <a:lstStyle/>
           <a:p>
-            <a:endParaRPr lang="en-US" dirty="0"/>
+            <a:r>
+              <a:rPr lang="en-US" dirty="0" err="1"/>
+              <a:t>mov</a:t>
+            </a:r>
+            <a:r>
+              <a:rPr lang="en-US" dirty="0"/>
+              <a:t> ah,9</a:t>
+            </a:r>
+          </a:p>
+          <a:p>
+            <a:r>
+              <a:rPr lang="en-US" dirty="0" err="1"/>
+              <a:t>int</a:t>
+            </a:r>
+            <a:r>
+              <a:rPr lang="en-US" dirty="0"/>
+              <a:t> 21h</a:t>
+            </a:r>
           </a:p>
         </p:txBody>
       </p:sp>
       <p:pic>
         <p:nvPicPr>
-          <p:cNvPr id="14" name="Picture 13">
-            <a:extLst>
-              <a:ext uri="{FF2B5EF4-FFF2-40B4-BE49-F238E27FC236}">
-                <a16:creationId xmlns:a16="http://schemas.microsoft.com/office/drawing/2014/main" id="{9B185139-8280-4341-97CC-E7A37707BC4C}"/>
-              </a:ext>
-            </a:extLst>
-          </p:cNvPr>
+          <p:cNvPr id="2050" name="Picture 2"/>
           <p:cNvPicPr>
-            <a:picLocks noChangeAspect="1"/>
+            <a:picLocks noChangeAspect="1" noChangeArrowheads="1"/>
           </p:cNvPicPr>
           <p:nvPr/>
         </p:nvPicPr>
         <p:blipFill>
-          <a:blip r:embed="rId2"/>
+          <a:blip r:embed="rId2">
+            <a:extLst>
+              <a:ext uri="{28A0092B-C50C-407E-A947-70E740481C1C}">
+                <a14:useLocalDpi xmlns:a14="http://schemas.microsoft.com/office/drawing/2010/main" val="0"/>
+              </a:ext>
+            </a:extLst>
+          </a:blip>
+          <a:srcRect/>
           <a:stretch>
             <a:fillRect/>
           </a:stretch>
         </p:blipFill>
-        <p:spPr>
+        <p:spPr bwMode="auto">
           <a:xfrm>
-            <a:off x="627321" y="1696050"/>
-            <a:ext cx="3519263" cy="2912700"/>
+            <a:off x="3206070" y="1700212"/>
+            <a:ext cx="5310187" cy="1743075"/>
           </a:xfrm>
           <a:prstGeom prst="rect">
             <a:avLst/>
           </a:prstGeom>
+          <a:noFill/>
           <a:ln>
             <a:noFill/>
           </a:ln>
-          <a:effectLst>
-            <a:outerShdw blurRad="292100" dist="139700" dir="2700000" algn="tl" rotWithShape="0">
-              <a:srgbClr val="333333">
-                <a:alpha val="65000"/>
-              </a:srgbClr>
-            </a:outerShdw>
-          </a:effectLst>
-        </p:spPr>
-      </p:pic>
-      <p:pic>
-        <p:nvPicPr>
-          <p:cNvPr id="16" name="Picture 15">
-            <a:extLst>
-              <a:ext uri="{FF2B5EF4-FFF2-40B4-BE49-F238E27FC236}">
-                <a16:creationId xmlns:a16="http://schemas.microsoft.com/office/drawing/2014/main" id="{EEBE9903-E2F5-40B1-92ED-9727A852C389}"/>
-              </a:ext>
-            </a:extLst>
-          </p:cNvPr>
-          <p:cNvPicPr>
-            <a:picLocks noChangeAspect="1"/>
-          </p:cNvPicPr>
-          <p:nvPr/>
-        </p:nvPicPr>
-        <p:blipFill>
-          <a:blip r:embed="rId3"/>
-          <a:stretch>
-            <a:fillRect/>
-          </a:stretch>
-        </p:blipFill>
-        <p:spPr>
-          <a:xfrm>
-            <a:off x="4767475" y="1696050"/>
-            <a:ext cx="3663300" cy="2912700"/>
-          </a:xfrm>
-          <a:prstGeom prst="rect">
-            <a:avLst/>
-          </a:prstGeom>
+          <a:effectLst/>
+          <a:extLst>
+            <a:ext uri="{909E8E84-426E-40DD-AFC4-6F175D3DCCD1}">
+              <a14:hiddenFill xmlns:a14="http://schemas.microsoft.com/office/drawing/2010/main">
+                <a:solidFill>
+                  <a:schemeClr val="accent1"/>
+                </a:solidFill>
+              </a14:hiddenFill>
+            </a:ext>
+            <a:ext uri="{91240B29-F687-4F45-9708-019B960494DF}">
+              <a14:hiddenLine xmlns:a14="http://schemas.microsoft.com/office/drawing/2010/main" w="9525">
+                <a:solidFill>
+                  <a:schemeClr val="tx1"/>
+                </a:solidFill>
+                <a:miter lim="800000"/>
+                <a:headEnd/>
+                <a:tailEnd/>
+              </a14:hiddenLine>
+            </a:ext>
+            <a:ext uri="{AF507438-7753-43E0-B8FC-AC1667EBCBE1}">
+              <a14:hiddenEffects xmlns:a14="http://schemas.microsoft.com/office/drawing/2010/main">
+                <a:effectLst>
+                  <a:outerShdw dist="35921" dir="2700000" algn="ctr" rotWithShape="0">
+                    <a:schemeClr val="bg2"/>
+                  </a:outerShdw>
+                </a:effectLst>
+              </a14:hiddenEffects>
+            </a:ext>
+          </a:extLst>
         </p:spPr>
       </p:pic>
     </p:spTree>
     <p:extLst>
       <p:ext uri="{BB962C8B-B14F-4D97-AF65-F5344CB8AC3E}">
-        <p14:creationId xmlns:p14="http://schemas.microsoft.com/office/powerpoint/2010/main" val="466979026"/>
+        <p14:creationId xmlns:p14="http://schemas.microsoft.com/office/powerpoint/2010/main" val="3203323158"/>
       </p:ext>
     </p:extLst>
   </p:cSld>
   <p:clrMapOvr>
     <a:masterClrMapping/>
   </p:clrMapOvr>
+  <p:timing>
+    <p:tnLst>
+      <p:par>
+        <p:cTn id="1" dur="indefinite" restart="never" nodeType="tmRoot"/>
+      </p:par>
+    </p:tnLst>
+  </p:timing>
 </p:sld>
 </file>
 
@@ -21065,7 +22743,7 @@
   <p:cSld>
     <p:spTree>
       <p:nvGrpSpPr>
-        <p:cNvPr id="1" name="Shape 577"/>
+        <p:cNvPr id="1" name=""/>
         <p:cNvGrpSpPr/>
         <p:nvPr/>
       </p:nvGrpSpPr>
@@ -21079,221 +22757,217 @@
       </p:grpSpPr>
       <p:sp>
         <p:nvSpPr>
-          <p:cNvPr id="578" name="Google Shape;578;p48"/>
-          <p:cNvSpPr/>
-          <p:nvPr/>
-        </p:nvSpPr>
-        <p:spPr>
-          <a:xfrm rot="-5400000">
-            <a:off x="2440617" y="156099"/>
-            <a:ext cx="4262760" cy="5315743"/>
-          </a:xfrm>
-          <a:custGeom>
-            <a:avLst/>
-            <a:gdLst/>
-            <a:ahLst/>
-            <a:cxnLst/>
-            <a:rect l="l" t="t" r="r" b="b"/>
-            <a:pathLst>
-              <a:path w="8622" h="9625" extrusionOk="0">
-                <a:moveTo>
-                  <a:pt x="4436" y="0"/>
-                </a:moveTo>
-                <a:cubicBezTo>
-                  <a:pt x="1928" y="0"/>
-                  <a:pt x="0" y="4791"/>
-                  <a:pt x="1452" y="7627"/>
-                </a:cubicBezTo>
-                <a:cubicBezTo>
-                  <a:pt x="2178" y="9033"/>
-                  <a:pt x="3530" y="9624"/>
-                  <a:pt x="4819" y="9624"/>
-                </a:cubicBezTo>
-                <a:cubicBezTo>
-                  <a:pt x="6203" y="9624"/>
-                  <a:pt x="7514" y="8941"/>
-                  <a:pt x="7896" y="7850"/>
-                </a:cubicBezTo>
-                <a:cubicBezTo>
-                  <a:pt x="8622" y="5744"/>
-                  <a:pt x="7771" y="332"/>
-                  <a:pt x="4646" y="11"/>
-                </a:cubicBezTo>
-                <a:cubicBezTo>
-                  <a:pt x="4576" y="4"/>
-                  <a:pt x="4506" y="0"/>
-                  <a:pt x="4436" y="0"/>
-                </a:cubicBezTo>
-                <a:close/>
-              </a:path>
-            </a:pathLst>
-          </a:custGeom>
-          <a:solidFill>
-            <a:schemeClr val="lt1"/>
-          </a:solidFill>
-          <a:ln>
-            <a:noFill/>
-          </a:ln>
-        </p:spPr>
-        <p:txBody>
-          <a:bodyPr spcFirstLastPara="1" wrap="square" lIns="91425" tIns="91425" rIns="91425" bIns="91425" anchor="ctr" anchorCtr="0">
-            <a:noAutofit/>
-          </a:bodyPr>
-          <a:lstStyle/>
-          <a:p>
-            <a:pPr marL="0" lvl="0" indent="0" algn="l" rtl="0">
-              <a:spcBef>
-                <a:spcPts val="0"/>
-              </a:spcBef>
-              <a:spcAft>
-                <a:spcPts val="0"/>
-              </a:spcAft>
-              <a:buNone/>
-            </a:pPr>
-            <a:endParaRPr/>
-          </a:p>
-        </p:txBody>
-      </p:sp>
-      <p:sp>
-        <p:nvSpPr>
-          <p:cNvPr id="579" name="Google Shape;579;p48"/>
-          <p:cNvSpPr txBox="1">
+          <p:cNvPr id="2" name="Title 1">
+            <a:extLst>
+              <a:ext uri="{FF2B5EF4-FFF2-40B4-BE49-F238E27FC236}">
+                <a16:creationId xmlns:a16="http://schemas.microsoft.com/office/drawing/2014/main" xmlns="" id="{16DD8EE8-FA13-4937-980C-9D9D1A428E2D}"/>
+              </a:ext>
+            </a:extLst>
+          </p:cNvPr>
+          <p:cNvSpPr>
             <a:spLocks noGrp="1"/>
           </p:cNvSpPr>
           <p:nvPr>
             <p:ph type="title"/>
           </p:nvPr>
         </p:nvSpPr>
-        <p:spPr>
-          <a:xfrm>
-            <a:off x="2169653" y="2067570"/>
-            <a:ext cx="4911017" cy="1492800"/>
-          </a:xfrm>
-          <a:prstGeom prst="rect">
-            <a:avLst/>
-          </a:prstGeom>
-        </p:spPr>
+        <p:spPr/>
         <p:txBody>
-          <a:bodyPr spcFirstLastPara="1" wrap="square" lIns="91425" tIns="91425" rIns="91425" bIns="91425" anchor="ctr" anchorCtr="0">
-            <a:noAutofit/>
-          </a:bodyPr>
+          <a:bodyPr/>
           <a:lstStyle/>
           <a:p>
-            <a:pPr marL="0" lvl="0" indent="0" algn="ctr" rtl="0">
-              <a:spcBef>
-                <a:spcPts val="0"/>
-              </a:spcBef>
-              <a:spcAft>
-                <a:spcPts val="0"/>
-              </a:spcAft>
-              <a:buNone/>
-            </a:pPr>
             <a:r>
-              <a:rPr lang="en-US" sz="4800" dirty="0">
-                <a:solidFill>
-                  <a:schemeClr val="dk1"/>
-                </a:solidFill>
-              </a:rPr>
-              <a:t>F U T U R E SCOPE </a:t>
+              <a:rPr lang="pt-BR" sz="3600" dirty="0"/>
+              <a:t>P</a:t>
             </a:r>
+            <a:r>
+              <a:rPr lang="pt-BR" sz="3200" dirty="0"/>
+              <a:t> R O J E C </a:t>
+            </a:r>
+            <a:r>
+              <a:rPr lang="pt-BR" sz="3200" dirty="0" smtClean="0"/>
+              <a:t>T Function</a:t>
+            </a:r>
+            <a:endParaRPr lang="en-US" dirty="0"/>
           </a:p>
         </p:txBody>
       </p:sp>
       <p:sp>
         <p:nvSpPr>
-          <p:cNvPr id="581" name="Google Shape;581;p48"/>
-          <p:cNvSpPr/>
-          <p:nvPr/>
+          <p:cNvPr id="3" name="Subtitle 2">
+            <a:extLst>
+              <a:ext uri="{FF2B5EF4-FFF2-40B4-BE49-F238E27FC236}">
+                <a16:creationId xmlns:a16="http://schemas.microsoft.com/office/drawing/2014/main" xmlns="" id="{DB9AA25F-5DBB-47B0-9214-0036AA9DC80A}"/>
+              </a:ext>
+            </a:extLst>
+          </p:cNvPr>
+          <p:cNvSpPr>
+            <a:spLocks noGrp="1"/>
+          </p:cNvSpPr>
+          <p:nvPr>
+            <p:ph type="subTitle" idx="1"/>
+          </p:nvPr>
         </p:nvSpPr>
         <p:spPr>
           <a:xfrm>
-            <a:off x="4068597" y="612319"/>
-            <a:ext cx="1006800" cy="1006800"/>
+            <a:off x="664114" y="1341302"/>
+            <a:ext cx="2674586" cy="311400"/>
           </a:xfrm>
-          <a:prstGeom prst="ellipse">
-            <a:avLst/>
-          </a:prstGeom>
-          <a:solidFill>
-            <a:schemeClr val="accent4"/>
-          </a:solidFill>
-          <a:ln>
-            <a:noFill/>
-          </a:ln>
         </p:spPr>
         <p:txBody>
-          <a:bodyPr spcFirstLastPara="1" wrap="square" lIns="91425" tIns="91425" rIns="91425" bIns="91425" anchor="ctr" anchorCtr="0">
-            <a:noAutofit/>
-          </a:bodyPr>
+          <a:bodyPr/>
           <a:lstStyle/>
           <a:p>
-            <a:pPr marL="0" lvl="0" indent="0" algn="l" rtl="0">
-              <a:spcBef>
-                <a:spcPts val="0"/>
-              </a:spcBef>
-              <a:spcAft>
-                <a:spcPts val="0"/>
-              </a:spcAft>
-              <a:buNone/>
-            </a:pPr>
-            <a:endParaRPr/>
+            <a:pPr algn="l"/>
+            <a:r>
+              <a:rPr lang="en-US" dirty="0" smtClean="0"/>
+              <a:t>New line</a:t>
+            </a:r>
+            <a:endParaRPr lang="en-US" dirty="0"/>
           </a:p>
         </p:txBody>
       </p:sp>
       <p:sp>
         <p:nvSpPr>
-          <p:cNvPr id="582" name="Google Shape;582;p48"/>
-          <p:cNvSpPr txBox="1">
-            <a:spLocks noGrp="1"/>
-          </p:cNvSpPr>
-          <p:nvPr>
-            <p:ph type="title" idx="4294967295"/>
-          </p:nvPr>
+          <p:cNvPr id="4" name="TextBox 3"/>
+          <p:cNvSpPr txBox="1"/>
+          <p:nvPr/>
         </p:nvSpPr>
         <p:spPr>
           <a:xfrm>
-            <a:off x="4200447" y="744175"/>
-            <a:ext cx="743100" cy="743100"/>
+            <a:off x="1257300" y="1902279"/>
+            <a:ext cx="6931479" cy="1384995"/>
           </a:xfrm>
           <a:prstGeom prst="rect">
             <a:avLst/>
           </a:prstGeom>
+          <a:noFill/>
         </p:spPr>
         <p:txBody>
-          <a:bodyPr spcFirstLastPara="1" wrap="square" lIns="91425" tIns="91425" rIns="91425" bIns="91425" anchor="ctr" anchorCtr="0">
-            <a:noAutofit/>
+          <a:bodyPr wrap="square" rtlCol="0">
+            <a:spAutoFit/>
           </a:bodyPr>
           <a:lstStyle/>
           <a:p>
-            <a:pPr marL="0" lvl="0" indent="0" algn="ctr" rtl="0">
-              <a:spcBef>
-                <a:spcPts val="0"/>
-              </a:spcBef>
-              <a:spcAft>
-                <a:spcPts val="0"/>
-              </a:spcAft>
-              <a:buNone/>
-            </a:pPr>
             <a:r>
-              <a:rPr lang="en" sz="3600">
-                <a:solidFill>
-                  <a:schemeClr val="lt1"/>
-                </a:solidFill>
-              </a:rPr>
-              <a:t>03</a:t>
+              <a:rPr lang="sv-SE" dirty="0"/>
+              <a:t>mov dx,10</a:t>
             </a:r>
-            <a:endParaRPr sz="3600">
-              <a:solidFill>
-                <a:schemeClr val="lt1"/>
-              </a:solidFill>
-            </a:endParaRPr>
+          </a:p>
+          <a:p>
+            <a:r>
+              <a:rPr lang="sv-SE" dirty="0"/>
+              <a:t>mov ah,2</a:t>
+            </a:r>
+          </a:p>
+          <a:p>
+            <a:r>
+              <a:rPr lang="sv-SE" dirty="0"/>
+              <a:t>int 21h</a:t>
+            </a:r>
+          </a:p>
+          <a:p>
+            <a:r>
+              <a:rPr lang="sv-SE" dirty="0"/>
+              <a:t>mov dx,13</a:t>
+            </a:r>
+          </a:p>
+          <a:p>
+            <a:r>
+              <a:rPr lang="sv-SE" dirty="0"/>
+              <a:t>mov ah,2</a:t>
+            </a:r>
+          </a:p>
+          <a:p>
+            <a:r>
+              <a:rPr lang="sv-SE" dirty="0"/>
+              <a:t>int 21h</a:t>
+            </a:r>
+            <a:endParaRPr lang="en-US" dirty="0"/>
           </a:p>
         </p:txBody>
       </p:sp>
+      <p:pic>
+        <p:nvPicPr>
+          <p:cNvPr id="3074" name="Picture 2"/>
+          <p:cNvPicPr>
+            <a:picLocks noChangeAspect="1" noChangeArrowheads="1"/>
+          </p:cNvPicPr>
+          <p:nvPr/>
+        </p:nvPicPr>
+        <p:blipFill>
+          <a:blip r:embed="rId2">
+            <a:extLst>
+              <a:ext uri="{28A0092B-C50C-407E-A947-70E740481C1C}">
+                <a14:useLocalDpi xmlns:a14="http://schemas.microsoft.com/office/drawing/2010/main" val="0"/>
+              </a:ext>
+            </a:extLst>
+          </a:blip>
+          <a:srcRect/>
+          <a:stretch>
+            <a:fillRect/>
+          </a:stretch>
+        </p:blipFill>
+        <p:spPr bwMode="auto">
+          <a:xfrm>
+            <a:off x="3018292" y="1902279"/>
+            <a:ext cx="5310187" cy="1743075"/>
+          </a:xfrm>
+          <a:prstGeom prst="rect">
+            <a:avLst/>
+          </a:prstGeom>
+          <a:noFill/>
+          <a:ln>
+            <a:noFill/>
+          </a:ln>
+          <a:effectLst/>
+          <a:extLst>
+            <a:ext uri="{909E8E84-426E-40DD-AFC4-6F175D3DCCD1}">
+              <a14:hiddenFill xmlns:a14="http://schemas.microsoft.com/office/drawing/2010/main">
+                <a:solidFill>
+                  <a:schemeClr val="accent1"/>
+                </a:solidFill>
+              </a14:hiddenFill>
+            </a:ext>
+            <a:ext uri="{91240B29-F687-4F45-9708-019B960494DF}">
+              <a14:hiddenLine xmlns:a14="http://schemas.microsoft.com/office/drawing/2010/main" w="9525">
+                <a:solidFill>
+                  <a:schemeClr val="tx1"/>
+                </a:solidFill>
+                <a:miter lim="800000"/>
+                <a:headEnd/>
+                <a:tailEnd/>
+              </a14:hiddenLine>
+            </a:ext>
+            <a:ext uri="{AF507438-7753-43E0-B8FC-AC1667EBCBE1}">
+              <a14:hiddenEffects xmlns:a14="http://schemas.microsoft.com/office/drawing/2010/main">
+                <a:effectLst>
+                  <a:outerShdw dist="35921" dir="2700000" algn="ctr" rotWithShape="0">
+                    <a:schemeClr val="bg2"/>
+                  </a:outerShdw>
+                </a:effectLst>
+              </a14:hiddenEffects>
+            </a:ext>
+          </a:extLst>
+        </p:spPr>
+      </p:pic>
     </p:spTree>
+    <p:extLst>
+      <p:ext uri="{BB962C8B-B14F-4D97-AF65-F5344CB8AC3E}">
+        <p14:creationId xmlns:p14="http://schemas.microsoft.com/office/powerpoint/2010/main" val="2642860562"/>
+      </p:ext>
+    </p:extLst>
   </p:cSld>
   <p:clrMapOvr>
     <a:masterClrMapping/>
   </p:clrMapOvr>
+  <p:timing>
+    <p:tnLst>
+      <p:par>
+        <p:cTn id="1" dur="indefinite" restart="never" nodeType="tmRoot"/>
+      </p:par>
+    </p:tnLst>
+  </p:timing>
 </p:sld>
 </file>
 
